--- a/linsley_postdoc/presentations/weekly_meetings/10_19_23.pptx
+++ b/linsley_postdoc/presentations/weekly_meetings/10_19_23.pptx
@@ -226,7 +226,7 @@
           <a:p>
             <a:fld id="{E933A773-0DCE-3544-BB67-D5FA58DF903C}" type="datetimeFigureOut">
               <a:rPr lang="en-US" smtClean="0"/>
-              <a:t>10/18/23</a:t>
+              <a:t>10/19/23</a:t>
             </a:fld>
             <a:endParaRPr lang="en-US"/>
           </a:p>
@@ -2294,7 +2294,7 @@
           <a:p>
             <a:fld id="{80FC6068-BAFB-FC44-B9D8-F4B3BB105DE6}" type="datetimeFigureOut">
               <a:rPr lang="en-US" smtClean="0"/>
-              <a:t>10/18/23</a:t>
+              <a:t>10/19/23</a:t>
             </a:fld>
             <a:endParaRPr lang="en-US"/>
           </a:p>
@@ -2492,7 +2492,7 @@
           <a:p>
             <a:fld id="{80FC6068-BAFB-FC44-B9D8-F4B3BB105DE6}" type="datetimeFigureOut">
               <a:rPr lang="en-US" smtClean="0"/>
-              <a:t>10/18/23</a:t>
+              <a:t>10/19/23</a:t>
             </a:fld>
             <a:endParaRPr lang="en-US"/>
           </a:p>
@@ -2700,7 +2700,7 @@
           <a:p>
             <a:fld id="{80FC6068-BAFB-FC44-B9D8-F4B3BB105DE6}" type="datetimeFigureOut">
               <a:rPr lang="en-US" smtClean="0"/>
-              <a:t>10/18/23</a:t>
+              <a:t>10/19/23</a:t>
             </a:fld>
             <a:endParaRPr lang="en-US"/>
           </a:p>
@@ -2904,7 +2904,7 @@
           <a:p>
             <a:fld id="{80FC6068-BAFB-FC44-B9D8-F4B3BB105DE6}" type="datetimeFigureOut">
               <a:rPr lang="en-US" smtClean="0"/>
-              <a:t>10/18/23</a:t>
+              <a:t>10/19/23</a:t>
             </a:fld>
             <a:endParaRPr lang="en-US"/>
           </a:p>
@@ -3195,7 +3195,7 @@
           <a:p>
             <a:fld id="{80FC6068-BAFB-FC44-B9D8-F4B3BB105DE6}" type="datetimeFigureOut">
               <a:rPr lang="en-US" smtClean="0"/>
-              <a:t>10/18/23</a:t>
+              <a:t>10/19/23</a:t>
             </a:fld>
             <a:endParaRPr lang="en-US"/>
           </a:p>
@@ -3460,7 +3460,7 @@
           <a:p>
             <a:fld id="{80FC6068-BAFB-FC44-B9D8-F4B3BB105DE6}" type="datetimeFigureOut">
               <a:rPr lang="en-US" smtClean="0"/>
-              <a:t>10/18/23</a:t>
+              <a:t>10/19/23</a:t>
             </a:fld>
             <a:endParaRPr lang="en-US"/>
           </a:p>
@@ -3872,7 +3872,7 @@
           <a:p>
             <a:fld id="{80FC6068-BAFB-FC44-B9D8-F4B3BB105DE6}" type="datetimeFigureOut">
               <a:rPr lang="en-US" smtClean="0"/>
-              <a:t>10/18/23</a:t>
+              <a:t>10/19/23</a:t>
             </a:fld>
             <a:endParaRPr lang="en-US"/>
           </a:p>
@@ -4013,7 +4013,7 @@
           <a:p>
             <a:fld id="{80FC6068-BAFB-FC44-B9D8-F4B3BB105DE6}" type="datetimeFigureOut">
               <a:rPr lang="en-US" smtClean="0"/>
-              <a:t>10/18/23</a:t>
+              <a:t>10/19/23</a:t>
             </a:fld>
             <a:endParaRPr lang="en-US"/>
           </a:p>
@@ -4126,7 +4126,7 @@
           <a:p>
             <a:fld id="{80FC6068-BAFB-FC44-B9D8-F4B3BB105DE6}" type="datetimeFigureOut">
               <a:rPr lang="en-US" smtClean="0"/>
-              <a:t>10/18/23</a:t>
+              <a:t>10/19/23</a:t>
             </a:fld>
             <a:endParaRPr lang="en-US"/>
           </a:p>
@@ -4437,7 +4437,7 @@
           <a:p>
             <a:fld id="{80FC6068-BAFB-FC44-B9D8-F4B3BB105DE6}" type="datetimeFigureOut">
               <a:rPr lang="en-US" smtClean="0"/>
-              <a:t>10/18/23</a:t>
+              <a:t>10/19/23</a:t>
             </a:fld>
             <a:endParaRPr lang="en-US"/>
           </a:p>
@@ -4725,7 +4725,7 @@
           <a:p>
             <a:fld id="{80FC6068-BAFB-FC44-B9D8-F4B3BB105DE6}" type="datetimeFigureOut">
               <a:rPr lang="en-US" smtClean="0"/>
-              <a:t>10/18/23</a:t>
+              <a:t>10/19/23</a:t>
             </a:fld>
             <a:endParaRPr lang="en-US"/>
           </a:p>
@@ -4966,7 +4966,7 @@
           <a:p>
             <a:fld id="{80FC6068-BAFB-FC44-B9D8-F4B3BB105DE6}" type="datetimeFigureOut">
               <a:rPr lang="en-US" smtClean="0"/>
-              <a:t>10/18/23</a:t>
+              <a:t>10/19/23</a:t>
             </a:fld>
             <a:endParaRPr lang="en-US"/>
           </a:p>
@@ -5807,7 +5807,7 @@
           <a:p>
             <a:r>
               <a:rPr lang="en-US" dirty="0"/>
-              <a:t>Focusing in on CD4 T effector memory cells authors found to expand with ICB</a:t>
+              <a:t>Focused in on CD4 T effector memory cells authors found to expand with ICB</a:t>
             </a:r>
           </a:p>
         </p:txBody>
@@ -6275,7 +6275,7 @@
             </a:r>
             <a:r>
               <a:rPr lang="en-US" dirty="0"/>
-              <a:t> methods</a:t>
+              <a:t> &amp; IMGT/HIGHV-QUEST methods</a:t>
             </a:r>
           </a:p>
         </p:txBody>
@@ -6341,7 +6341,7 @@
             </a:r>
             <a:r>
               <a:rPr lang="en-US" dirty="0"/>
-              <a:t> data: 13,403 (some redundant) barcodes</a:t>
+              <a:t> data: 13,403 (7,141 unique) barcodes</a:t>
             </a:r>
           </a:p>
           <a:p>
@@ -6388,7 +6388,10 @@
               <a:rPr lang="en-US" dirty="0" err="1"/>
               <a:t>IGoR</a:t>
             </a:r>
-            <a:endParaRPr lang="en-US" dirty="0"/>
+            <a:r>
+              <a:rPr lang="en-US" dirty="0"/>
+              <a:t> &amp; IMGT/HIGHV-QUEST</a:t>
+            </a:r>
           </a:p>
           <a:p>
             <a:pPr marL="971550" lvl="1" indent="-514350">
@@ -6944,7 +6947,7 @@
         </p:spPr>
         <p:txBody>
           <a:bodyPr>
-            <a:normAutofit fontScale="92500" lnSpcReduction="10000"/>
+            <a:normAutofit fontScale="92500" lnSpcReduction="20000"/>
           </a:bodyPr>
           <a:lstStyle/>
           <a:p>
@@ -7033,6 +7036,14 @@
               <a:rPr lang="en-US" dirty="0"/>
               <a:t>: distance measure of TCR space</a:t>
             </a:r>
+          </a:p>
+          <a:p>
+            <a:pPr lvl="1"/>
+            <a:r>
+              <a:rPr lang="en-US" dirty="0" err="1"/>
+              <a:t>VDJdb</a:t>
+            </a:r>
+            <a:endParaRPr lang="en-US" dirty="0"/>
           </a:p>
         </p:txBody>
       </p:sp>

--- a/linsley_postdoc/presentations/weekly_meetings/10_19_23.pptx
+++ b/linsley_postdoc/presentations/weekly_meetings/10_19_23.pptx
@@ -5,28 +5,30 @@
     <p:sldMasterId id="2147483648" r:id="rId1"/>
   </p:sldMasterIdLst>
   <p:notesMasterIdLst>
-    <p:notesMasterId r:id="rId21"/>
+    <p:notesMasterId r:id="rId23"/>
   </p:notesMasterIdLst>
   <p:sldIdLst>
     <p:sldId id="256" r:id="rId2"/>
     <p:sldId id="406" r:id="rId3"/>
-    <p:sldId id="407" r:id="rId4"/>
-    <p:sldId id="390" r:id="rId5"/>
-    <p:sldId id="393" r:id="rId6"/>
-    <p:sldId id="389" r:id="rId7"/>
-    <p:sldId id="392" r:id="rId8"/>
-    <p:sldId id="395" r:id="rId9"/>
-    <p:sldId id="394" r:id="rId10"/>
-    <p:sldId id="396" r:id="rId11"/>
-    <p:sldId id="397" r:id="rId12"/>
-    <p:sldId id="400" r:id="rId13"/>
-    <p:sldId id="398" r:id="rId14"/>
-    <p:sldId id="399" r:id="rId15"/>
-    <p:sldId id="405" r:id="rId16"/>
-    <p:sldId id="401" r:id="rId17"/>
-    <p:sldId id="403" r:id="rId18"/>
-    <p:sldId id="402" r:id="rId19"/>
-    <p:sldId id="404" r:id="rId20"/>
+    <p:sldId id="390" r:id="rId4"/>
+    <p:sldId id="393" r:id="rId5"/>
+    <p:sldId id="392" r:id="rId6"/>
+    <p:sldId id="395" r:id="rId7"/>
+    <p:sldId id="396" r:id="rId8"/>
+    <p:sldId id="389" r:id="rId9"/>
+    <p:sldId id="410" r:id="rId10"/>
+    <p:sldId id="409" r:id="rId11"/>
+    <p:sldId id="400" r:id="rId12"/>
+    <p:sldId id="398" r:id="rId13"/>
+    <p:sldId id="405" r:id="rId14"/>
+    <p:sldId id="401" r:id="rId15"/>
+    <p:sldId id="403" r:id="rId16"/>
+    <p:sldId id="402" r:id="rId17"/>
+    <p:sldId id="404" r:id="rId18"/>
+    <p:sldId id="408" r:id="rId19"/>
+    <p:sldId id="394" r:id="rId20"/>
+    <p:sldId id="411" r:id="rId21"/>
+    <p:sldId id="397" r:id="rId22"/>
   </p:sldIdLst>
   <p:sldSz cx="12192000" cy="6858000"/>
   <p:notesSz cx="6858000" cy="9144000"/>
@@ -651,7 +653,7 @@
     </p:spTree>
     <p:extLst>
       <p:ext uri="{BB962C8B-B14F-4D97-AF65-F5344CB8AC3E}">
-        <p14:creationId xmlns:p14="http://schemas.microsoft.com/office/powerpoint/2010/main" val="1627259865"/>
+        <p14:creationId xmlns:p14="http://schemas.microsoft.com/office/powerpoint/2010/main" val="2854943276"/>
       </p:ext>
     </p:extLst>
   </p:cSld>
@@ -735,7 +737,7 @@
     </p:spTree>
     <p:extLst>
       <p:ext uri="{BB962C8B-B14F-4D97-AF65-F5344CB8AC3E}">
-        <p14:creationId xmlns:p14="http://schemas.microsoft.com/office/powerpoint/2010/main" val="1419498195"/>
+        <p14:creationId xmlns:p14="http://schemas.microsoft.com/office/powerpoint/2010/main" val="1756923841"/>
       </p:ext>
     </p:extLst>
   </p:cSld>
@@ -819,7 +821,7 @@
     </p:spTree>
     <p:extLst>
       <p:ext uri="{BB962C8B-B14F-4D97-AF65-F5344CB8AC3E}">
-        <p14:creationId xmlns:p14="http://schemas.microsoft.com/office/powerpoint/2010/main" val="1756923841"/>
+        <p14:creationId xmlns:p14="http://schemas.microsoft.com/office/powerpoint/2010/main" val="2520053825"/>
       </p:ext>
     </p:extLst>
   </p:cSld>
@@ -903,7 +905,7 @@
     </p:spTree>
     <p:extLst>
       <p:ext uri="{BB962C8B-B14F-4D97-AF65-F5344CB8AC3E}">
-        <p14:creationId xmlns:p14="http://schemas.microsoft.com/office/powerpoint/2010/main" val="2520053825"/>
+        <p14:creationId xmlns:p14="http://schemas.microsoft.com/office/powerpoint/2010/main" val="755783256"/>
       </p:ext>
     </p:extLst>
   </p:cSld>
@@ -959,7 +961,31 @@
           <a:p>
             <a:r>
               <a:rPr lang="en-US" dirty="0"/>
-              <a:t>Wilcoxon rank sum test with continuity correction data: group1 and group2 W = 1569, p-value = 0.3255 alternative hypothesis: true location shift is not equal to 0</a:t>
+              <a:t>Higher -log10(</a:t>
+            </a:r>
+            <a:r>
+              <a:rPr lang="en-US" dirty="0" err="1"/>
+              <a:t>pgen</a:t>
+            </a:r>
+            <a:r>
+              <a:rPr lang="en-US" dirty="0"/>
+              <a:t> value) means higher probability of generation (more germline-like) because higher (less negative) </a:t>
+            </a:r>
+            <a:r>
+              <a:rPr lang="en-US" dirty="0" err="1"/>
+              <a:t>pgen</a:t>
+            </a:r>
+            <a:r>
+              <a:rPr lang="en-US" dirty="0"/>
+              <a:t> values have a higher probability of generation by V(D)J recombination. Conversely, sequences with lower (more negative) </a:t>
+            </a:r>
+            <a:r>
+              <a:rPr lang="en-US" dirty="0" err="1"/>
+              <a:t>pgen</a:t>
+            </a:r>
+            <a:r>
+              <a:rPr lang="en-US" dirty="0"/>
+              <a:t> values have a lower probability of generation</a:t>
             </a:r>
           </a:p>
         </p:txBody>
@@ -990,7 +1016,7 @@
     </p:spTree>
     <p:extLst>
       <p:ext uri="{BB962C8B-B14F-4D97-AF65-F5344CB8AC3E}">
-        <p14:creationId xmlns:p14="http://schemas.microsoft.com/office/powerpoint/2010/main" val="4167465621"/>
+        <p14:creationId xmlns:p14="http://schemas.microsoft.com/office/powerpoint/2010/main" val="788451222"/>
       </p:ext>
     </p:extLst>
   </p:cSld>
@@ -1074,7 +1100,7 @@
     </p:spTree>
     <p:extLst>
       <p:ext uri="{BB962C8B-B14F-4D97-AF65-F5344CB8AC3E}">
-        <p14:creationId xmlns:p14="http://schemas.microsoft.com/office/powerpoint/2010/main" val="755783256"/>
+        <p14:creationId xmlns:p14="http://schemas.microsoft.com/office/powerpoint/2010/main" val="1353250980"/>
       </p:ext>
     </p:extLst>
   </p:cSld>
@@ -1128,34 +1154,7 @@
           <a:bodyPr/>
           <a:lstStyle/>
           <a:p>
-            <a:r>
-              <a:rPr lang="en-US" dirty="0"/>
-              <a:t>Higher -log10(</a:t>
-            </a:r>
-            <a:r>
-              <a:rPr lang="en-US" dirty="0" err="1"/>
-              <a:t>pgen</a:t>
-            </a:r>
-            <a:r>
-              <a:rPr lang="en-US" dirty="0"/>
-              <a:t> value) means higher probability of generation (more germline-like) because higher (less negative) </a:t>
-            </a:r>
-            <a:r>
-              <a:rPr lang="en-US" dirty="0" err="1"/>
-              <a:t>pgen</a:t>
-            </a:r>
-            <a:r>
-              <a:rPr lang="en-US" dirty="0"/>
-              <a:t> values have a higher probability of generation by V(D)J recombination. Conversely, sequences with lower (more negative) </a:t>
-            </a:r>
-            <a:r>
-              <a:rPr lang="en-US" dirty="0" err="1"/>
-              <a:t>pgen</a:t>
-            </a:r>
-            <a:r>
-              <a:rPr lang="en-US" dirty="0"/>
-              <a:t> values have a lower probability of generation</a:t>
-            </a:r>
+            <a:endParaRPr lang="en-US" dirty="0"/>
           </a:p>
         </p:txBody>
       </p:sp>
@@ -1185,7 +1184,7 @@
     </p:spTree>
     <p:extLst>
       <p:ext uri="{BB962C8B-B14F-4D97-AF65-F5344CB8AC3E}">
-        <p14:creationId xmlns:p14="http://schemas.microsoft.com/office/powerpoint/2010/main" val="788451222"/>
+        <p14:creationId xmlns:p14="http://schemas.microsoft.com/office/powerpoint/2010/main" val="3719102332"/>
       </p:ext>
     </p:extLst>
   </p:cSld>
@@ -1239,33 +1238,32 @@
           <a:bodyPr/>
           <a:lstStyle/>
           <a:p>
+            <a:pPr lvl="1"/>
             <a:r>
               <a:rPr lang="en-US" dirty="0"/>
-              <a:t>Higher -log10(</a:t>
-            </a:r>
-            <a:r>
-              <a:rPr lang="en-US" dirty="0" err="1"/>
-              <a:t>pgen</a:t>
-            </a:r>
+              <a:t>Unable to locate N terminus of CDR3 in V gene correctly. Please ensure sequence plausibility. Cannot stitch a sequence for TRA</a:t>
+            </a:r>
+          </a:p>
+          <a:p>
+            <a:pPr lvl="2"/>
             <a:r>
               <a:rPr lang="en-US" dirty="0"/>
-              <a:t> value) means higher probability of generation (more germline-like) because higher (less negative) </a:t>
-            </a:r>
-            <a:r>
-              <a:rPr lang="en-US" dirty="0" err="1"/>
-              <a:t>pgen</a:t>
+              <a:t>Problematic </a:t>
+            </a:r>
+            <a:r>
+              <a:rPr lang="en-US" i="1" dirty="0"/>
+              <a:t>TRAV </a:t>
             </a:r>
             <a:r>
               <a:rPr lang="en-US" dirty="0"/>
-              <a:t> values have a higher probability of generation by V(D)J recombination. Conversely, sequences with lower (more negative) </a:t>
-            </a:r>
-            <a:r>
-              <a:rPr lang="en-US" dirty="0" err="1"/>
-              <a:t>pgen</a:t>
-            </a:r>
+              <a:t>genes seem to not have allele specified, no help when adding on *01 or *% to specify 1 or all, respectively</a:t>
+            </a:r>
+          </a:p>
+          <a:p>
+            <a:pPr lvl="1"/>
             <a:r>
               <a:rPr lang="en-US" dirty="0"/>
-              <a:t> values have a lower probability of generation</a:t>
+              <a:t>String index out of range. Cannot stitch a sequence for TRB</a:t>
             </a:r>
           </a:p>
         </p:txBody>
@@ -1296,7 +1294,7 @@
     </p:spTree>
     <p:extLst>
       <p:ext uri="{BB962C8B-B14F-4D97-AF65-F5344CB8AC3E}">
-        <p14:creationId xmlns:p14="http://schemas.microsoft.com/office/powerpoint/2010/main" val="1353250980"/>
+        <p14:creationId xmlns:p14="http://schemas.microsoft.com/office/powerpoint/2010/main" val="3907235334"/>
       </p:ext>
     </p:extLst>
   </p:cSld>
@@ -1350,6 +1348,7 @@
           <a:bodyPr/>
           <a:lstStyle/>
           <a:p>
+            <a:pPr algn="l"/>
             <a:endParaRPr lang="en-US" dirty="0"/>
           </a:p>
         </p:txBody>
@@ -1380,7 +1379,7 @@
     </p:spTree>
     <p:extLst>
       <p:ext uri="{BB962C8B-B14F-4D97-AF65-F5344CB8AC3E}">
-        <p14:creationId xmlns:p14="http://schemas.microsoft.com/office/powerpoint/2010/main" val="3719102332"/>
+        <p14:creationId xmlns:p14="http://schemas.microsoft.com/office/powerpoint/2010/main" val="1367288036"/>
       </p:ext>
     </p:extLst>
   </p:cSld>
@@ -1434,7 +1433,6 @@
           <a:bodyPr/>
           <a:lstStyle/>
           <a:p>
-            <a:pPr algn="l"/>
             <a:endParaRPr lang="en-US" dirty="0"/>
           </a:p>
         </p:txBody>
@@ -1465,7 +1463,7 @@
     </p:spTree>
     <p:extLst>
       <p:ext uri="{BB962C8B-B14F-4D97-AF65-F5344CB8AC3E}">
-        <p14:creationId xmlns:p14="http://schemas.microsoft.com/office/powerpoint/2010/main" val="3907235334"/>
+        <p14:creationId xmlns:p14="http://schemas.microsoft.com/office/powerpoint/2010/main" val="3765488648"/>
       </p:ext>
     </p:extLst>
   </p:cSld>
@@ -1559,6 +1557,174 @@
 </p:notes>
 </file>
 
+<file path=ppt/notesSlides/notesSlide20.xml><?xml version="1.0" encoding="utf-8"?>
+<p:notes xmlns:a="http://schemas.openxmlformats.org/drawingml/2006/main" xmlns:r="http://schemas.openxmlformats.org/officeDocument/2006/relationships" xmlns:p="http://schemas.openxmlformats.org/presentationml/2006/main">
+  <p:cSld>
+    <p:spTree>
+      <p:nvGrpSpPr>
+        <p:cNvPr id="1" name=""/>
+        <p:cNvGrpSpPr/>
+        <p:nvPr/>
+      </p:nvGrpSpPr>
+      <p:grpSpPr>
+        <a:xfrm>
+          <a:off x="0" y="0"/>
+          <a:ext cx="0" cy="0"/>
+          <a:chOff x="0" y="0"/>
+          <a:chExt cx="0" cy="0"/>
+        </a:xfrm>
+      </p:grpSpPr>
+      <p:sp>
+        <p:nvSpPr>
+          <p:cNvPr id="2" name="Slide Image Placeholder 1"/>
+          <p:cNvSpPr>
+            <a:spLocks noGrp="1" noRot="1" noChangeAspect="1"/>
+          </p:cNvSpPr>
+          <p:nvPr>
+            <p:ph type="sldImg"/>
+          </p:nvPr>
+        </p:nvSpPr>
+        <p:spPr/>
+      </p:sp>
+      <p:sp>
+        <p:nvSpPr>
+          <p:cNvPr id="3" name="Notes Placeholder 2"/>
+          <p:cNvSpPr>
+            <a:spLocks noGrp="1"/>
+          </p:cNvSpPr>
+          <p:nvPr>
+            <p:ph type="body" idx="1"/>
+          </p:nvPr>
+        </p:nvSpPr>
+        <p:spPr/>
+        <p:txBody>
+          <a:bodyPr/>
+          <a:lstStyle/>
+          <a:p>
+            <a:endParaRPr lang="en-US" dirty="0"/>
+          </a:p>
+        </p:txBody>
+      </p:sp>
+      <p:sp>
+        <p:nvSpPr>
+          <p:cNvPr id="4" name="Slide Number Placeholder 3"/>
+          <p:cNvSpPr>
+            <a:spLocks noGrp="1"/>
+          </p:cNvSpPr>
+          <p:nvPr>
+            <p:ph type="sldNum" sz="quarter" idx="5"/>
+          </p:nvPr>
+        </p:nvSpPr>
+        <p:spPr/>
+        <p:txBody>
+          <a:bodyPr/>
+          <a:lstStyle/>
+          <a:p>
+            <a:fld id="{061BAA8C-FDC6-D345-B4E0-3B02449209FB}" type="slidenum">
+              <a:rPr lang="en-US" smtClean="0"/>
+              <a:t>20</a:t>
+            </a:fld>
+            <a:endParaRPr lang="en-US"/>
+          </a:p>
+        </p:txBody>
+      </p:sp>
+    </p:spTree>
+    <p:extLst>
+      <p:ext uri="{BB962C8B-B14F-4D97-AF65-F5344CB8AC3E}">
+        <p14:creationId xmlns:p14="http://schemas.microsoft.com/office/powerpoint/2010/main" val="746065013"/>
+      </p:ext>
+    </p:extLst>
+  </p:cSld>
+  <p:clrMapOvr>
+    <a:masterClrMapping/>
+  </p:clrMapOvr>
+</p:notes>
+</file>
+
+<file path=ppt/notesSlides/notesSlide21.xml><?xml version="1.0" encoding="utf-8"?>
+<p:notes xmlns:a="http://schemas.openxmlformats.org/drawingml/2006/main" xmlns:r="http://schemas.openxmlformats.org/officeDocument/2006/relationships" xmlns:p="http://schemas.openxmlformats.org/presentationml/2006/main">
+  <p:cSld>
+    <p:spTree>
+      <p:nvGrpSpPr>
+        <p:cNvPr id="1" name=""/>
+        <p:cNvGrpSpPr/>
+        <p:nvPr/>
+      </p:nvGrpSpPr>
+      <p:grpSpPr>
+        <a:xfrm>
+          <a:off x="0" y="0"/>
+          <a:ext cx="0" cy="0"/>
+          <a:chOff x="0" y="0"/>
+          <a:chExt cx="0" cy="0"/>
+        </a:xfrm>
+      </p:grpSpPr>
+      <p:sp>
+        <p:nvSpPr>
+          <p:cNvPr id="2" name="Slide Image Placeholder 1"/>
+          <p:cNvSpPr>
+            <a:spLocks noGrp="1" noRot="1" noChangeAspect="1"/>
+          </p:cNvSpPr>
+          <p:nvPr>
+            <p:ph type="sldImg"/>
+          </p:nvPr>
+        </p:nvSpPr>
+        <p:spPr/>
+      </p:sp>
+      <p:sp>
+        <p:nvSpPr>
+          <p:cNvPr id="3" name="Notes Placeholder 2"/>
+          <p:cNvSpPr>
+            <a:spLocks noGrp="1"/>
+          </p:cNvSpPr>
+          <p:nvPr>
+            <p:ph type="body" idx="1"/>
+          </p:nvPr>
+        </p:nvSpPr>
+        <p:spPr/>
+        <p:txBody>
+          <a:bodyPr/>
+          <a:lstStyle/>
+          <a:p>
+            <a:endParaRPr lang="en-US" dirty="0"/>
+          </a:p>
+        </p:txBody>
+      </p:sp>
+      <p:sp>
+        <p:nvSpPr>
+          <p:cNvPr id="4" name="Slide Number Placeholder 3"/>
+          <p:cNvSpPr>
+            <a:spLocks noGrp="1"/>
+          </p:cNvSpPr>
+          <p:nvPr>
+            <p:ph type="sldNum" sz="quarter" idx="5"/>
+          </p:nvPr>
+        </p:nvSpPr>
+        <p:spPr/>
+        <p:txBody>
+          <a:bodyPr/>
+          <a:lstStyle/>
+          <a:p>
+            <a:fld id="{061BAA8C-FDC6-D345-B4E0-3B02449209FB}" type="slidenum">
+              <a:rPr lang="en-US" smtClean="0"/>
+              <a:t>21</a:t>
+            </a:fld>
+            <a:endParaRPr lang="en-US"/>
+          </a:p>
+        </p:txBody>
+      </p:sp>
+    </p:spTree>
+    <p:extLst>
+      <p:ext uri="{BB962C8B-B14F-4D97-AF65-F5344CB8AC3E}">
+        <p14:creationId xmlns:p14="http://schemas.microsoft.com/office/powerpoint/2010/main" val="2800756064"/>
+      </p:ext>
+    </p:extLst>
+  </p:cSld>
+  <p:clrMapOvr>
+    <a:masterClrMapping/>
+  </p:clrMapOvr>
+</p:notes>
+</file>
+
 <file path=ppt/notesSlides/notesSlide3.xml><?xml version="1.0" encoding="utf-8"?>
 <p:notes xmlns:a="http://schemas.openxmlformats.org/drawingml/2006/main" xmlns:r="http://schemas.openxmlformats.org/officeDocument/2006/relationships" xmlns:p="http://schemas.openxmlformats.org/presentationml/2006/main">
   <p:cSld>
@@ -1633,7 +1799,7 @@
     </p:spTree>
     <p:extLst>
       <p:ext uri="{BB962C8B-B14F-4D97-AF65-F5344CB8AC3E}">
-        <p14:creationId xmlns:p14="http://schemas.microsoft.com/office/powerpoint/2010/main" val="1466919463"/>
+        <p14:creationId xmlns:p14="http://schemas.microsoft.com/office/powerpoint/2010/main" val="3412891508"/>
       </p:ext>
     </p:extLst>
   </p:cSld>
@@ -1717,7 +1883,7 @@
     </p:spTree>
     <p:extLst>
       <p:ext uri="{BB962C8B-B14F-4D97-AF65-F5344CB8AC3E}">
-        <p14:creationId xmlns:p14="http://schemas.microsoft.com/office/powerpoint/2010/main" val="3412891508"/>
+        <p14:creationId xmlns:p14="http://schemas.microsoft.com/office/powerpoint/2010/main" val="2429250932"/>
       </p:ext>
     </p:extLst>
   </p:cSld>
@@ -1801,7 +1967,7 @@
     </p:spTree>
     <p:extLst>
       <p:ext uri="{BB962C8B-B14F-4D97-AF65-F5344CB8AC3E}">
-        <p14:creationId xmlns:p14="http://schemas.microsoft.com/office/powerpoint/2010/main" val="2429250932"/>
+        <p14:creationId xmlns:p14="http://schemas.microsoft.com/office/powerpoint/2010/main" val="1098307104"/>
       </p:ext>
     </p:extLst>
   </p:cSld>
@@ -1885,7 +2051,7 @@
     </p:spTree>
     <p:extLst>
       <p:ext uri="{BB962C8B-B14F-4D97-AF65-F5344CB8AC3E}">
-        <p14:creationId xmlns:p14="http://schemas.microsoft.com/office/powerpoint/2010/main" val="3298093455"/>
+        <p14:creationId xmlns:p14="http://schemas.microsoft.com/office/powerpoint/2010/main" val="2900818196"/>
       </p:ext>
     </p:extLst>
   </p:cSld>
@@ -1969,7 +2135,7 @@
     </p:spTree>
     <p:extLst>
       <p:ext uri="{BB962C8B-B14F-4D97-AF65-F5344CB8AC3E}">
-        <p14:creationId xmlns:p14="http://schemas.microsoft.com/office/powerpoint/2010/main" val="1749224388"/>
+        <p14:creationId xmlns:p14="http://schemas.microsoft.com/office/powerpoint/2010/main" val="2218459957"/>
       </p:ext>
     </p:extLst>
   </p:cSld>
@@ -2053,7 +2219,7 @@
     </p:spTree>
     <p:extLst>
       <p:ext uri="{BB962C8B-B14F-4D97-AF65-F5344CB8AC3E}">
-        <p14:creationId xmlns:p14="http://schemas.microsoft.com/office/powerpoint/2010/main" val="2540914108"/>
+        <p14:creationId xmlns:p14="http://schemas.microsoft.com/office/powerpoint/2010/main" val="3298093455"/>
       </p:ext>
     </p:extLst>
   </p:cSld>
@@ -2107,7 +2273,16 @@
           <a:bodyPr/>
           <a:lstStyle/>
           <a:p>
-            <a:endParaRPr lang="en-US" dirty="0"/>
+            <a:r>
+              <a:rPr lang="en-US" dirty="0"/>
+              <a:t>Wilcoxon rank sum test with continuity correction data: W = 3047.5, p-value = 0.01733 alternative hypothesis: true location shift is not equal to 0</a:t>
+            </a:r>
+          </a:p>
+          <a:p>
+            <a:r>
+              <a:rPr lang="en-US" dirty="0"/>
+              <a:t>Yes n = 72, no n = 102</a:t>
+            </a:r>
           </a:p>
         </p:txBody>
       </p:sp>
@@ -2137,7 +2312,7 @@
     </p:spTree>
     <p:extLst>
       <p:ext uri="{BB962C8B-B14F-4D97-AF65-F5344CB8AC3E}">
-        <p14:creationId xmlns:p14="http://schemas.microsoft.com/office/powerpoint/2010/main" val="2344015760"/>
+        <p14:creationId xmlns:p14="http://schemas.microsoft.com/office/powerpoint/2010/main" val="2711895382"/>
       </p:ext>
     </p:extLst>
   </p:cSld>
@@ -5501,13 +5676,13 @@
         </p:spPr>
         <p:txBody>
           <a:bodyPr>
-            <a:normAutofit fontScale="90000"/>
+            <a:normAutofit/>
           </a:bodyPr>
           <a:lstStyle/>
           <a:p>
             <a:r>
               <a:rPr lang="en-US" dirty="0"/>
-              <a:t>B cell CDR3 AA length and (pre-treatment) expansion differences by severe </a:t>
+              <a:t>See no differences in B cell CDR3 features among chains by severe </a:t>
             </a:r>
             <a:r>
               <a:rPr lang="en-US" dirty="0" err="1"/>
@@ -5515,7 +5690,7 @@
             </a:r>
             <a:r>
               <a:rPr lang="en-US" dirty="0"/>
-              <a:t> development are driven by 1 patient (YUROD)</a:t>
+              <a:t> development</a:t>
             </a:r>
           </a:p>
         </p:txBody>
@@ -5554,10 +5729,10 @@
       </p:sp>
       <p:pic>
         <p:nvPicPr>
-          <p:cNvPr id="5" name="Picture 4">
-            <a:extLst>
-              <a:ext uri="{FF2B5EF4-FFF2-40B4-BE49-F238E27FC236}">
-                <a16:creationId xmlns:a16="http://schemas.microsoft.com/office/drawing/2014/main" id="{5E8DA4BB-9FD0-E71F-A6DB-80FCE01F2ABC}"/>
+          <p:cNvPr id="7" name="Picture 6">
+            <a:extLst>
+              <a:ext uri="{FF2B5EF4-FFF2-40B4-BE49-F238E27FC236}">
+                <a16:creationId xmlns:a16="http://schemas.microsoft.com/office/drawing/2014/main" id="{AB981C58-78E1-CC79-E9EA-F75C4C4DC72B}"/>
               </a:ext>
             </a:extLst>
           </p:cNvPr>
@@ -5574,38 +5749,8 @@
         </p:blipFill>
         <p:spPr>
           <a:xfrm>
-            <a:off x="141889" y="2341762"/>
-            <a:ext cx="6025055" cy="3272000"/>
-          </a:xfrm>
-          <a:prstGeom prst="rect">
-            <a:avLst/>
-          </a:prstGeom>
-        </p:spPr>
-      </p:pic>
-      <p:pic>
-        <p:nvPicPr>
-          <p:cNvPr id="4" name="Picture 3">
-            <a:extLst>
-              <a:ext uri="{FF2B5EF4-FFF2-40B4-BE49-F238E27FC236}">
-                <a16:creationId xmlns:a16="http://schemas.microsoft.com/office/drawing/2014/main" id="{1CDD938C-60CC-9E9C-1A2F-A97687656DE1}"/>
-              </a:ext>
-            </a:extLst>
-          </p:cNvPr>
-          <p:cNvPicPr>
-            <a:picLocks noChangeAspect="1"/>
-          </p:cNvPicPr>
-          <p:nvPr/>
-        </p:nvPicPr>
-        <p:blipFill>
-          <a:blip r:embed="rId4"/>
-          <a:stretch>
-            <a:fillRect/>
-          </a:stretch>
-        </p:blipFill>
-        <p:spPr>
-          <a:xfrm>
-            <a:off x="6310121" y="1919289"/>
-            <a:ext cx="5881878" cy="3694474"/>
+            <a:off x="1972293" y="1828508"/>
+            <a:ext cx="7772400" cy="4804963"/>
           </a:xfrm>
           <a:prstGeom prst="rect">
             <a:avLst/>
@@ -5615,7 +5760,7 @@
     </p:spTree>
     <p:extLst>
       <p:ext uri="{BB962C8B-B14F-4D97-AF65-F5344CB8AC3E}">
-        <p14:creationId xmlns:p14="http://schemas.microsoft.com/office/powerpoint/2010/main" val="3164638817"/>
+        <p14:creationId xmlns:p14="http://schemas.microsoft.com/office/powerpoint/2010/main" val="766448150"/>
       </p:ext>
     </p:extLst>
   </p:cSld>
@@ -5666,21 +5811,13 @@
         </p:spPr>
         <p:txBody>
           <a:bodyPr>
-            <a:normAutofit fontScale="90000"/>
+            <a:normAutofit/>
           </a:bodyPr>
           <a:lstStyle/>
           <a:p>
             <a:r>
               <a:rPr lang="en-US" dirty="0"/>
-              <a:t>No longer observe B cell CDR3 AA length and (pre-treatment) expansion differences by severe </a:t>
-            </a:r>
-            <a:r>
-              <a:rPr lang="en-US" dirty="0" err="1"/>
-              <a:t>irAE</a:t>
-            </a:r>
-            <a:r>
-              <a:rPr lang="en-US" dirty="0"/>
-              <a:t> development when removing YUROD patient sample</a:t>
+              <a:t>Focused in on CD4 T effector memory cells authors found to expand with ICB</a:t>
             </a:r>
           </a:p>
         </p:txBody>
@@ -5719,10 +5856,10 @@
       </p:sp>
       <p:pic>
         <p:nvPicPr>
-          <p:cNvPr id="7" name="Picture 6">
-            <a:extLst>
-              <a:ext uri="{FF2B5EF4-FFF2-40B4-BE49-F238E27FC236}">
-                <a16:creationId xmlns:a16="http://schemas.microsoft.com/office/drawing/2014/main" id="{4E406B92-C62D-70DA-230F-FB1D28257DD7}"/>
+          <p:cNvPr id="5" name="Picture 4">
+            <a:extLst>
+              <a:ext uri="{FF2B5EF4-FFF2-40B4-BE49-F238E27FC236}">
+                <a16:creationId xmlns:a16="http://schemas.microsoft.com/office/drawing/2014/main" id="{184FAA21-AAC8-0F3D-59C8-7D9F7C43685B}"/>
               </a:ext>
             </a:extLst>
           </p:cNvPr>
@@ -5739,18 +5876,77 @@
         </p:blipFill>
         <p:spPr>
           <a:xfrm>
-            <a:off x="2303079" y="1919288"/>
-            <a:ext cx="7585841" cy="4792821"/>
+            <a:off x="1658007" y="1919288"/>
+            <a:ext cx="7772400" cy="4364241"/>
           </a:xfrm>
           <a:prstGeom prst="rect">
             <a:avLst/>
           </a:prstGeom>
         </p:spPr>
       </p:pic>
+      <p:sp>
+        <p:nvSpPr>
+          <p:cNvPr id="6" name="TextBox 5">
+            <a:extLst>
+              <a:ext uri="{FF2B5EF4-FFF2-40B4-BE49-F238E27FC236}">
+                <a16:creationId xmlns:a16="http://schemas.microsoft.com/office/drawing/2014/main" id="{37ABC787-52F3-63B7-0C1F-994AF5282EF0}"/>
+              </a:ext>
+            </a:extLst>
+          </p:cNvPr>
+          <p:cNvSpPr txBox="1"/>
+          <p:nvPr/>
+        </p:nvSpPr>
+        <p:spPr>
+          <a:xfrm>
+            <a:off x="3468413" y="3485148"/>
+            <a:ext cx="1916487" cy="369332"/>
+          </a:xfrm>
+          <a:prstGeom prst="rect">
+            <a:avLst/>
+          </a:prstGeom>
+          <a:noFill/>
+        </p:spPr>
+        <p:txBody>
+          <a:bodyPr wrap="none" rtlCol="0">
+            <a:spAutoFit/>
+          </a:bodyPr>
+          <a:lstStyle/>
+          <a:p>
+            <a:r>
+              <a:rPr lang="en-US" dirty="0"/>
+              <a:t>subclusters </a:t>
+            </a:r>
+            <a:r>
+              <a:rPr lang="en-US" dirty="0">
+                <a:solidFill>
+                  <a:srgbClr val="00B050"/>
+                </a:solidFill>
+              </a:rPr>
+              <a:t>2</a:t>
+            </a:r>
+            <a:r>
+              <a:rPr lang="en-US" dirty="0"/>
+              <a:t>, </a:t>
+            </a:r>
+            <a:r>
+              <a:rPr lang="en-US" dirty="0">
+                <a:solidFill>
+                  <a:srgbClr val="0070C0"/>
+                </a:solidFill>
+              </a:rPr>
+              <a:t>4</a:t>
+            </a:r>
+            <a:r>
+              <a:rPr lang="en-US" dirty="0"/>
+              <a:t>, 7</a:t>
+            </a:r>
+          </a:p>
+        </p:txBody>
+      </p:sp>
     </p:spTree>
     <p:extLst>
       <p:ext uri="{BB962C8B-B14F-4D97-AF65-F5344CB8AC3E}">
-        <p14:creationId xmlns:p14="http://schemas.microsoft.com/office/powerpoint/2010/main" val="3599160304"/>
+        <p14:creationId xmlns:p14="http://schemas.microsoft.com/office/powerpoint/2010/main" val="1020897431"/>
       </p:ext>
     </p:extLst>
   </p:cSld>
@@ -5807,7 +6003,15 @@
           <a:p>
             <a:r>
               <a:rPr lang="en-US" dirty="0"/>
-              <a:t>Focused in on CD4 T effector memory cells authors found to expand with ICB</a:t>
+              <a:t>See no predictors of severe </a:t>
+            </a:r>
+            <a:r>
+              <a:rPr lang="en-US" dirty="0" err="1"/>
+              <a:t>irAE</a:t>
+            </a:r>
+            <a:r>
+              <a:rPr lang="en-US" dirty="0"/>
+              <a:t> development by (pre-treatment) expansion among CD4 subclusters</a:t>
             </a:r>
           </a:p>
         </p:txBody>
@@ -5846,10 +6050,10 @@
       </p:sp>
       <p:pic>
         <p:nvPicPr>
-          <p:cNvPr id="5" name="Picture 4">
-            <a:extLst>
-              <a:ext uri="{FF2B5EF4-FFF2-40B4-BE49-F238E27FC236}">
-                <a16:creationId xmlns:a16="http://schemas.microsoft.com/office/drawing/2014/main" id="{184FAA21-AAC8-0F3D-59C8-7D9F7C43685B}"/>
+          <p:cNvPr id="4" name="Picture 3">
+            <a:extLst>
+              <a:ext uri="{FF2B5EF4-FFF2-40B4-BE49-F238E27FC236}">
+                <a16:creationId xmlns:a16="http://schemas.microsoft.com/office/drawing/2014/main" id="{855E1F6D-7E8D-A621-627B-736BA540E5D0}"/>
               </a:ext>
             </a:extLst>
           </p:cNvPr>
@@ -5866,77 +6070,18 @@
         </p:blipFill>
         <p:spPr>
           <a:xfrm>
-            <a:off x="1658007" y="1919288"/>
-            <a:ext cx="7772400" cy="4364241"/>
+            <a:off x="2209800" y="1780131"/>
+            <a:ext cx="7772400" cy="4901717"/>
           </a:xfrm>
           <a:prstGeom prst="rect">
             <a:avLst/>
           </a:prstGeom>
         </p:spPr>
       </p:pic>
-      <p:sp>
-        <p:nvSpPr>
-          <p:cNvPr id="6" name="TextBox 5">
-            <a:extLst>
-              <a:ext uri="{FF2B5EF4-FFF2-40B4-BE49-F238E27FC236}">
-                <a16:creationId xmlns:a16="http://schemas.microsoft.com/office/drawing/2014/main" id="{37ABC787-52F3-63B7-0C1F-994AF5282EF0}"/>
-              </a:ext>
-            </a:extLst>
-          </p:cNvPr>
-          <p:cNvSpPr txBox="1"/>
-          <p:nvPr/>
-        </p:nvSpPr>
-        <p:spPr>
-          <a:xfrm>
-            <a:off x="3468413" y="3485148"/>
-            <a:ext cx="1916487" cy="369332"/>
-          </a:xfrm>
-          <a:prstGeom prst="rect">
-            <a:avLst/>
-          </a:prstGeom>
-          <a:noFill/>
-        </p:spPr>
-        <p:txBody>
-          <a:bodyPr wrap="none" rtlCol="0">
-            <a:spAutoFit/>
-          </a:bodyPr>
-          <a:lstStyle/>
-          <a:p>
-            <a:r>
-              <a:rPr lang="en-US" dirty="0"/>
-              <a:t>subclusters </a:t>
-            </a:r>
-            <a:r>
-              <a:rPr lang="en-US" dirty="0">
-                <a:solidFill>
-                  <a:srgbClr val="00B050"/>
-                </a:solidFill>
-              </a:rPr>
-              <a:t>2</a:t>
-            </a:r>
-            <a:r>
-              <a:rPr lang="en-US" dirty="0"/>
-              <a:t>, </a:t>
-            </a:r>
-            <a:r>
-              <a:rPr lang="en-US" dirty="0">
-                <a:solidFill>
-                  <a:srgbClr val="0070C0"/>
-                </a:solidFill>
-              </a:rPr>
-              <a:t>4</a:t>
-            </a:r>
-            <a:r>
-              <a:rPr lang="en-US" dirty="0"/>
-              <a:t>, 7</a:t>
-            </a:r>
-          </a:p>
-        </p:txBody>
-      </p:sp>
     </p:spTree>
     <p:extLst>
       <p:ext uri="{BB962C8B-B14F-4D97-AF65-F5344CB8AC3E}">
-        <p14:creationId xmlns:p14="http://schemas.microsoft.com/office/powerpoint/2010/main" val="1020897431"/>
+        <p14:creationId xmlns:p14="http://schemas.microsoft.com/office/powerpoint/2010/main" val="504485690"/>
       </p:ext>
     </p:extLst>
   </p:cSld>
@@ -5992,16 +6137,20 @@
           <a:lstStyle/>
           <a:p>
             <a:r>
+              <a:rPr lang="en-US" dirty="0" err="1"/>
+              <a:t>Stitchr</a:t>
+            </a:r>
+            <a:r>
               <a:rPr lang="en-US" dirty="0"/>
-              <a:t>See no predictors of severe </a:t>
+              <a:t> and </a:t>
             </a:r>
             <a:r>
               <a:rPr lang="en-US" dirty="0" err="1"/>
-              <a:t>irAE</a:t>
+              <a:t>IGoR</a:t>
             </a:r>
             <a:r>
               <a:rPr lang="en-US" dirty="0"/>
-              <a:t> development by (pre-treatment) expansion among CD4 subclusters</a:t>
+              <a:t> &amp; IMGT/HIGHV-QUEST methods</a:t>
             </a:r>
           </a:p>
         </p:txBody>
@@ -6034,44 +6183,114 @@
           </a:bodyPr>
           <a:lstStyle/>
           <a:p>
+            <a:pPr marL="514350" indent="-514350">
+              <a:buFont typeface="+mj-lt"/>
+              <a:buAutoNum type="arabicPeriod"/>
+            </a:pPr>
+            <a:r>
+              <a:rPr lang="en-US" dirty="0" err="1"/>
+              <a:t>Stitchr</a:t>
+            </a:r>
             <a:endParaRPr lang="en-US" dirty="0"/>
           </a:p>
-        </p:txBody>
-      </p:sp>
-      <p:pic>
-        <p:nvPicPr>
-          <p:cNvPr id="4" name="Picture 3">
-            <a:extLst>
-              <a:ext uri="{FF2B5EF4-FFF2-40B4-BE49-F238E27FC236}">
-                <a16:creationId xmlns:a16="http://schemas.microsoft.com/office/drawing/2014/main" id="{855E1F6D-7E8D-A621-627B-736BA540E5D0}"/>
-              </a:ext>
-            </a:extLst>
-          </p:cNvPr>
-          <p:cNvPicPr>
-            <a:picLocks noChangeAspect="1"/>
-          </p:cNvPicPr>
-          <p:nvPr/>
-        </p:nvPicPr>
-        <p:blipFill>
-          <a:blip r:embed="rId3"/>
-          <a:stretch>
-            <a:fillRect/>
-          </a:stretch>
-        </p:blipFill>
-        <p:spPr>
-          <a:xfrm>
-            <a:off x="2209800" y="1780131"/>
-            <a:ext cx="7772400" cy="4901717"/>
-          </a:xfrm>
-          <a:prstGeom prst="rect">
-            <a:avLst/>
-          </a:prstGeom>
-        </p:spPr>
-      </p:pic>
+          <a:p>
+            <a:pPr marL="971550" lvl="1" indent="-514350">
+              <a:buFont typeface="+mj-lt"/>
+              <a:buAutoNum type="alphaLcPeriod"/>
+            </a:pPr>
+            <a:r>
+              <a:rPr lang="en-US" dirty="0"/>
+              <a:t>Read in </a:t>
+            </a:r>
+            <a:r>
+              <a:rPr lang="en-US" dirty="0" err="1"/>
+              <a:t>scV</a:t>
+            </a:r>
+            <a:r>
+              <a:rPr lang="en-US" dirty="0"/>
+              <a:t>(D)</a:t>
+            </a:r>
+            <a:r>
+              <a:rPr lang="en-US" dirty="0" err="1"/>
+              <a:t>Jseq</a:t>
+            </a:r>
+            <a:r>
+              <a:rPr lang="en-US" dirty="0"/>
+              <a:t> data: 13,403 (7,141 unique) barcodes</a:t>
+            </a:r>
+          </a:p>
+          <a:p>
+            <a:pPr marL="971550" lvl="1" indent="-514350">
+              <a:buFont typeface="+mj-lt"/>
+              <a:buAutoNum type="alphaLcPeriod"/>
+            </a:pPr>
+            <a:r>
+              <a:rPr lang="en-US" dirty="0"/>
+              <a:t>Filtered for barcodes with exactly 1 alpha and 1 beta chain (4232 unique barcodes)</a:t>
+            </a:r>
+          </a:p>
+          <a:p>
+            <a:pPr marL="971550" lvl="1" indent="-514350">
+              <a:buFont typeface="+mj-lt"/>
+              <a:buAutoNum type="alphaLcPeriod"/>
+            </a:pPr>
+            <a:r>
+              <a:rPr lang="en-US" dirty="0"/>
+              <a:t>Run </a:t>
+            </a:r>
+            <a:r>
+              <a:rPr lang="en-US" dirty="0" err="1"/>
+              <a:t>Stitchr</a:t>
+            </a:r>
+            <a:endParaRPr lang="en-US" dirty="0"/>
+          </a:p>
+          <a:p>
+            <a:pPr marL="1428750" lvl="2" indent="-514350">
+              <a:buFont typeface="+mj-lt"/>
+              <a:buAutoNum type="alphaLcPeriod"/>
+            </a:pPr>
+            <a:r>
+              <a:rPr lang="en-US" dirty="0"/>
+              <a:t>Only get full TCR linked sequences for 1,067 barcodes, 1,631 for alpha chain, 2,793 for beta chain</a:t>
+            </a:r>
+          </a:p>
+          <a:p>
+            <a:pPr marL="514350" indent="-514350">
+              <a:buFont typeface="+mj-lt"/>
+              <a:buAutoNum type="arabicPeriod"/>
+            </a:pPr>
+            <a:r>
+              <a:rPr lang="en-US" dirty="0" err="1"/>
+              <a:t>IGoR</a:t>
+            </a:r>
+            <a:r>
+              <a:rPr lang="en-US" dirty="0"/>
+              <a:t> &amp; IMGT/HIGHV-QUEST</a:t>
+            </a:r>
+          </a:p>
+          <a:p>
+            <a:pPr marL="971550" lvl="1" indent="-514350">
+              <a:buFont typeface="+mj-lt"/>
+              <a:buAutoNum type="alphaLcPeriod"/>
+            </a:pPr>
+            <a:r>
+              <a:rPr lang="en-US" dirty="0"/>
+              <a:t>Run separately for alpha and beta chains</a:t>
+            </a:r>
+          </a:p>
+          <a:p>
+            <a:pPr marL="971550" lvl="1" indent="-514350">
+              <a:buFont typeface="+mj-lt"/>
+              <a:buAutoNum type="alphaLcPeriod"/>
+            </a:pPr>
+            <a:endParaRPr lang="en-US" dirty="0"/>
+          </a:p>
+        </p:txBody>
+      </p:sp>
     </p:spTree>
     <p:extLst>
       <p:ext uri="{BB962C8B-B14F-4D97-AF65-F5344CB8AC3E}">
-        <p14:creationId xmlns:p14="http://schemas.microsoft.com/office/powerpoint/2010/main" val="504485690"/>
+        <p14:creationId xmlns:p14="http://schemas.microsoft.com/office/powerpoint/2010/main" val="3825291686"/>
       </p:ext>
     </p:extLst>
   </p:cSld>
@@ -6122,13 +6341,17 @@
         </p:spPr>
         <p:txBody>
           <a:bodyPr>
-            <a:normAutofit fontScale="90000"/>
+            <a:normAutofit/>
           </a:bodyPr>
           <a:lstStyle/>
           <a:p>
             <a:r>
+              <a:rPr lang="en-US" dirty="0" err="1"/>
+              <a:t>pgen</a:t>
+            </a:r>
+            <a:r>
               <a:rPr lang="en-US" dirty="0"/>
-              <a:t>See no statistically significant predictors of severe </a:t>
+              <a:t> scores similar between TCR chains by severe </a:t>
             </a:r>
             <a:r>
               <a:rPr lang="en-US" dirty="0" err="1"/>
@@ -6136,7 +6359,7 @@
             </a:r>
             <a:r>
               <a:rPr lang="en-US" dirty="0"/>
-              <a:t> development by (pre-treatment) expansion among CD4 subcluster 4 chains</a:t>
+              <a:t> development</a:t>
             </a:r>
           </a:p>
         </p:txBody>
@@ -6175,10 +6398,10 @@
       </p:sp>
       <p:pic>
         <p:nvPicPr>
-          <p:cNvPr id="6" name="Picture 5">
-            <a:extLst>
-              <a:ext uri="{FF2B5EF4-FFF2-40B4-BE49-F238E27FC236}">
-                <a16:creationId xmlns:a16="http://schemas.microsoft.com/office/drawing/2014/main" id="{AF8090FB-DEB2-DBCE-9C81-B2EABACF0D4A}"/>
+          <p:cNvPr id="4" name="Picture 3">
+            <a:extLst>
+              <a:ext uri="{FF2B5EF4-FFF2-40B4-BE49-F238E27FC236}">
+                <a16:creationId xmlns:a16="http://schemas.microsoft.com/office/drawing/2014/main" id="{60816568-96AB-AAE2-6ECF-9F731DCD148A}"/>
               </a:ext>
             </a:extLst>
           </p:cNvPr>
@@ -6195,8 +6418,8 @@
         </p:blipFill>
         <p:spPr>
           <a:xfrm>
-            <a:off x="2209800" y="1913700"/>
-            <a:ext cx="7772400" cy="4872079"/>
+            <a:off x="2043546" y="1821771"/>
+            <a:ext cx="7772400" cy="4818438"/>
           </a:xfrm>
           <a:prstGeom prst="rect">
             <a:avLst/>
@@ -6206,7 +6429,7 @@
     </p:spTree>
     <p:extLst>
       <p:ext uri="{BB962C8B-B14F-4D97-AF65-F5344CB8AC3E}">
-        <p14:creationId xmlns:p14="http://schemas.microsoft.com/office/powerpoint/2010/main" val="205728008"/>
+        <p14:creationId xmlns:p14="http://schemas.microsoft.com/office/powerpoint/2010/main" val="1964009223"/>
       </p:ext>
     </p:extLst>
   </p:cSld>
@@ -6263,19 +6486,19 @@
           <a:p>
             <a:r>
               <a:rPr lang="en-US" dirty="0" err="1"/>
-              <a:t>Stitchr</a:t>
+              <a:t>pgen</a:t>
             </a:r>
             <a:r>
               <a:rPr lang="en-US" dirty="0"/>
-              <a:t> and </a:t>
+              <a:t> scores don’t dramatically differ between TCR chains or cell type by severe </a:t>
             </a:r>
             <a:r>
               <a:rPr lang="en-US" dirty="0" err="1"/>
-              <a:t>IGoR</a:t>
+              <a:t>irAE</a:t>
             </a:r>
             <a:r>
               <a:rPr lang="en-US" dirty="0"/>
-              <a:t> &amp; IMGT/HIGHV-QUEST methods</a:t>
+              <a:t> development</a:t>
             </a:r>
           </a:p>
         </p:txBody>
@@ -6308,114 +6531,44 @@
           </a:bodyPr>
           <a:lstStyle/>
           <a:p>
-            <a:pPr marL="514350" indent="-514350">
-              <a:buFont typeface="+mj-lt"/>
-              <a:buAutoNum type="arabicPeriod"/>
-            </a:pPr>
-            <a:r>
-              <a:rPr lang="en-US" dirty="0" err="1"/>
-              <a:t>Stitchr</a:t>
-            </a:r>
             <a:endParaRPr lang="en-US" dirty="0"/>
           </a:p>
-          <a:p>
-            <a:pPr marL="971550" lvl="1" indent="-514350">
-              <a:buFont typeface="+mj-lt"/>
-              <a:buAutoNum type="alphaLcPeriod"/>
-            </a:pPr>
-            <a:r>
-              <a:rPr lang="en-US" dirty="0"/>
-              <a:t>Read in </a:t>
-            </a:r>
-            <a:r>
-              <a:rPr lang="en-US" dirty="0" err="1"/>
-              <a:t>scV</a:t>
-            </a:r>
-            <a:r>
-              <a:rPr lang="en-US" dirty="0"/>
-              <a:t>(D)</a:t>
-            </a:r>
-            <a:r>
-              <a:rPr lang="en-US" dirty="0" err="1"/>
-              <a:t>Jseq</a:t>
-            </a:r>
-            <a:r>
-              <a:rPr lang="en-US" dirty="0"/>
-              <a:t> data: 13,403 (7,141 unique) barcodes</a:t>
-            </a:r>
-          </a:p>
-          <a:p>
-            <a:pPr marL="971550" lvl="1" indent="-514350">
-              <a:buFont typeface="+mj-lt"/>
-              <a:buAutoNum type="alphaLcPeriod"/>
-            </a:pPr>
-            <a:r>
-              <a:rPr lang="en-US" dirty="0"/>
-              <a:t>Filtered for barcodes with exactly 1 alpha and 1 beta chain (4232 unique barcodes)</a:t>
-            </a:r>
-          </a:p>
-          <a:p>
-            <a:pPr marL="971550" lvl="1" indent="-514350">
-              <a:buFont typeface="+mj-lt"/>
-              <a:buAutoNum type="alphaLcPeriod"/>
-            </a:pPr>
-            <a:r>
-              <a:rPr lang="en-US" dirty="0"/>
-              <a:t>Run </a:t>
-            </a:r>
-            <a:r>
-              <a:rPr lang="en-US" dirty="0" err="1"/>
-              <a:t>Stitchr</a:t>
-            </a:r>
-            <a:endParaRPr lang="en-US" dirty="0"/>
-          </a:p>
-          <a:p>
-            <a:pPr marL="1428750" lvl="2" indent="-514350">
-              <a:buFont typeface="+mj-lt"/>
-              <a:buAutoNum type="alphaLcPeriod"/>
-            </a:pPr>
-            <a:r>
-              <a:rPr lang="en-US" dirty="0"/>
-              <a:t>Only get full TCR linked sequences for 1,067 barcodes, 1,631 for alpha chain, 2,793 for beta chain</a:t>
-            </a:r>
-          </a:p>
-          <a:p>
-            <a:pPr marL="514350" indent="-514350">
-              <a:buFont typeface="+mj-lt"/>
-              <a:buAutoNum type="arabicPeriod"/>
-            </a:pPr>
-            <a:r>
-              <a:rPr lang="en-US" dirty="0" err="1"/>
-              <a:t>IGoR</a:t>
-            </a:r>
-            <a:r>
-              <a:rPr lang="en-US" dirty="0"/>
-              <a:t> &amp; IMGT/HIGHV-QUEST</a:t>
-            </a:r>
-          </a:p>
-          <a:p>
-            <a:pPr marL="971550" lvl="1" indent="-514350">
-              <a:buFont typeface="+mj-lt"/>
-              <a:buAutoNum type="alphaLcPeriod"/>
-            </a:pPr>
-            <a:r>
-              <a:rPr lang="en-US" dirty="0"/>
-              <a:t>Run separately for alpha and beta chains</a:t>
-            </a:r>
-          </a:p>
-          <a:p>
-            <a:pPr marL="971550" lvl="1" indent="-514350">
-              <a:buFont typeface="+mj-lt"/>
-              <a:buAutoNum type="alphaLcPeriod"/>
-            </a:pPr>
-            <a:endParaRPr lang="en-US" dirty="0"/>
-          </a:p>
-        </p:txBody>
-      </p:sp>
+        </p:txBody>
+      </p:sp>
+      <p:pic>
+        <p:nvPicPr>
+          <p:cNvPr id="4" name="Picture 3">
+            <a:extLst>
+              <a:ext uri="{FF2B5EF4-FFF2-40B4-BE49-F238E27FC236}">
+                <a16:creationId xmlns:a16="http://schemas.microsoft.com/office/drawing/2014/main" id="{08B7A023-9402-B15A-576D-82EB7047CF1D}"/>
+              </a:ext>
+            </a:extLst>
+          </p:cNvPr>
+          <p:cNvPicPr>
+            <a:picLocks noChangeAspect="1"/>
+          </p:cNvPicPr>
+          <p:nvPr/>
+        </p:nvPicPr>
+        <p:blipFill>
+          <a:blip r:embed="rId3"/>
+          <a:stretch>
+            <a:fillRect/>
+          </a:stretch>
+        </p:blipFill>
+        <p:spPr>
+          <a:xfrm>
+            <a:off x="1853540" y="1775952"/>
+            <a:ext cx="7772400" cy="4910075"/>
+          </a:xfrm>
+          <a:prstGeom prst="rect">
+            <a:avLst/>
+          </a:prstGeom>
+        </p:spPr>
+      </p:pic>
     </p:spTree>
     <p:extLst>
       <p:ext uri="{BB962C8B-B14F-4D97-AF65-F5344CB8AC3E}">
-        <p14:creationId xmlns:p14="http://schemas.microsoft.com/office/powerpoint/2010/main" val="3825291686"/>
+        <p14:creationId xmlns:p14="http://schemas.microsoft.com/office/powerpoint/2010/main" val="2276660336"/>
       </p:ext>
     </p:extLst>
   </p:cSld>
@@ -6471,20 +6624,8 @@
           <a:lstStyle/>
           <a:p>
             <a:r>
-              <a:rPr lang="en-US" dirty="0" err="1"/>
-              <a:t>pgen</a:t>
-            </a:r>
-            <a:r>
               <a:rPr lang="en-US" dirty="0"/>
-              <a:t> scores don’t differ dramatically between TCR chains by severe </a:t>
-            </a:r>
-            <a:r>
-              <a:rPr lang="en-US" dirty="0" err="1"/>
-              <a:t>irAE</a:t>
-            </a:r>
-            <a:r>
-              <a:rPr lang="en-US" dirty="0"/>
-              <a:t> development</a:t>
+              <a:t>Lost too many barcodes during stitching process to gain insights from UMAP overlay</a:t>
             </a:r>
           </a:p>
         </p:txBody>
@@ -6521,12 +6662,53 @@
           </a:p>
         </p:txBody>
       </p:sp>
+      <p:sp>
+        <p:nvSpPr>
+          <p:cNvPr id="6" name="TextBox 5">
+            <a:extLst>
+              <a:ext uri="{FF2B5EF4-FFF2-40B4-BE49-F238E27FC236}">
+                <a16:creationId xmlns:a16="http://schemas.microsoft.com/office/drawing/2014/main" id="{A364ADFE-922A-8CB5-7F0D-9A55361564F7}"/>
+              </a:ext>
+            </a:extLst>
+          </p:cNvPr>
+          <p:cNvSpPr txBox="1"/>
+          <p:nvPr/>
+        </p:nvSpPr>
+        <p:spPr>
+          <a:xfrm>
+            <a:off x="9393382" y="3847605"/>
+            <a:ext cx="1475212" cy="646331"/>
+          </a:xfrm>
+          <a:prstGeom prst="rect">
+            <a:avLst/>
+          </a:prstGeom>
+          <a:noFill/>
+        </p:spPr>
+        <p:txBody>
+          <a:bodyPr wrap="none" rtlCol="0">
+            <a:spAutoFit/>
+          </a:bodyPr>
+          <a:lstStyle/>
+          <a:p>
+            <a:r>
+              <a:rPr lang="en-US" dirty="0"/>
+              <a:t>Lost barcodes</a:t>
+            </a:r>
+          </a:p>
+          <a:p>
+            <a:r>
+              <a:rPr lang="en-US" dirty="0"/>
+              <a:t>in gray</a:t>
+            </a:r>
+          </a:p>
+        </p:txBody>
+      </p:sp>
       <p:pic>
         <p:nvPicPr>
-          <p:cNvPr id="9" name="Picture 8">
-            <a:extLst>
-              <a:ext uri="{FF2B5EF4-FFF2-40B4-BE49-F238E27FC236}">
-                <a16:creationId xmlns:a16="http://schemas.microsoft.com/office/drawing/2014/main" id="{FA8F1A0E-1493-296A-747F-4867D53CAB38}"/>
+          <p:cNvPr id="5" name="Picture 4">
+            <a:extLst>
+              <a:ext uri="{FF2B5EF4-FFF2-40B4-BE49-F238E27FC236}">
+                <a16:creationId xmlns:a16="http://schemas.microsoft.com/office/drawing/2014/main" id="{679DC4A6-7821-F0FF-41B1-D3EC124E9C2D}"/>
               </a:ext>
             </a:extLst>
           </p:cNvPr>
@@ -6543,8 +6725,8 @@
         </p:blipFill>
         <p:spPr>
           <a:xfrm>
-            <a:off x="2004848" y="1767825"/>
-            <a:ext cx="7772400" cy="4926330"/>
+            <a:off x="1323406" y="2243547"/>
+            <a:ext cx="7772400" cy="4299144"/>
           </a:xfrm>
           <a:prstGeom prst="rect">
             <a:avLst/>
@@ -6554,7 +6736,7 @@
     </p:spTree>
     <p:extLst>
       <p:ext uri="{BB962C8B-B14F-4D97-AF65-F5344CB8AC3E}">
-        <p14:creationId xmlns:p14="http://schemas.microsoft.com/office/powerpoint/2010/main" val="1964009223"/>
+        <p14:creationId xmlns:p14="http://schemas.microsoft.com/office/powerpoint/2010/main" val="324532944"/>
       </p:ext>
     </p:extLst>
   </p:cSld>
@@ -6610,20 +6792,8 @@
           <a:lstStyle/>
           <a:p>
             <a:r>
-              <a:rPr lang="en-US" dirty="0" err="1"/>
-              <a:t>pgen</a:t>
-            </a:r>
-            <a:r>
               <a:rPr lang="en-US" dirty="0"/>
-              <a:t> scores don’t differ dramatically between TCR chains or cell type by severe </a:t>
-            </a:r>
-            <a:r>
-              <a:rPr lang="en-US" dirty="0" err="1"/>
-              <a:t>irAE</a:t>
-            </a:r>
-            <a:r>
-              <a:rPr lang="en-US" dirty="0"/>
-              <a:t> development</a:t>
+              <a:t>Next steps</a:t>
             </a:r>
           </a:p>
         </p:txBody>
@@ -6656,44 +6826,80 @@
           </a:bodyPr>
           <a:lstStyle/>
           <a:p>
+            <a:r>
+              <a:rPr lang="en-US" dirty="0"/>
+              <a:t>Non-manual cell type assignments</a:t>
+            </a:r>
+          </a:p>
+          <a:p>
+            <a:r>
+              <a:rPr lang="en-US" dirty="0"/>
+              <a:t>Try to recover more barcodes in </a:t>
+            </a:r>
+            <a:r>
+              <a:rPr lang="en-US" dirty="0" err="1"/>
+              <a:t>stitchr</a:t>
+            </a:r>
+            <a:r>
+              <a:rPr lang="en-US" dirty="0"/>
+              <a:t> analysis by resolving errors</a:t>
+            </a:r>
+          </a:p>
+          <a:p>
+            <a:r>
+              <a:rPr lang="en-US" b="1" dirty="0"/>
+              <a:t>Analyze IMGT/</a:t>
+            </a:r>
+            <a:r>
+              <a:rPr lang="en-US" b="1" dirty="0" err="1"/>
+              <a:t>HighV</a:t>
+            </a:r>
+            <a:r>
+              <a:rPr lang="en-US" b="1" dirty="0"/>
+              <a:t>-Quest output</a:t>
+            </a:r>
+          </a:p>
+          <a:p>
+            <a:r>
+              <a:rPr lang="en-US" b="1" dirty="0"/>
+              <a:t>Input stitched TCR seqs into algorithms to predict/cluster by epitope specificity</a:t>
+            </a:r>
+          </a:p>
+          <a:p>
+            <a:pPr lvl="1"/>
+            <a:r>
+              <a:rPr lang="en-US" dirty="0"/>
+              <a:t>GLIPH: group TCRs of common specificities, define TCR clusters often contacting antigenic peptides</a:t>
+            </a:r>
+          </a:p>
+          <a:p>
+            <a:pPr lvl="1"/>
+            <a:r>
+              <a:rPr lang="en-US" dirty="0" err="1"/>
+              <a:t>TCRdist</a:t>
+            </a:r>
             <a:endParaRPr lang="en-US" dirty="0"/>
           </a:p>
-        </p:txBody>
-      </p:sp>
-      <p:pic>
-        <p:nvPicPr>
-          <p:cNvPr id="8" name="Picture 7">
-            <a:extLst>
-              <a:ext uri="{FF2B5EF4-FFF2-40B4-BE49-F238E27FC236}">
-                <a16:creationId xmlns:a16="http://schemas.microsoft.com/office/drawing/2014/main" id="{4EF83641-36A0-546A-4A32-BB3777166AA7}"/>
-              </a:ext>
-            </a:extLst>
-          </p:cNvPr>
-          <p:cNvPicPr>
-            <a:picLocks noChangeAspect="1"/>
-          </p:cNvPicPr>
-          <p:nvPr/>
-        </p:nvPicPr>
-        <p:blipFill>
-          <a:blip r:embed="rId3"/>
-          <a:stretch>
-            <a:fillRect/>
-          </a:stretch>
-        </p:blipFill>
-        <p:spPr>
-          <a:xfrm>
-            <a:off x="2020614" y="1779255"/>
-            <a:ext cx="7772400" cy="4903470"/>
-          </a:xfrm>
-          <a:prstGeom prst="rect">
-            <a:avLst/>
-          </a:prstGeom>
-        </p:spPr>
-      </p:pic>
+          <a:p>
+            <a:pPr lvl="1"/>
+            <a:r>
+              <a:rPr lang="en-US" dirty="0" err="1"/>
+              <a:t>VDJdb</a:t>
+            </a:r>
+            <a:endParaRPr lang="en-US" dirty="0"/>
+          </a:p>
+          <a:p>
+            <a:r>
+              <a:rPr lang="en-US" b="1" dirty="0"/>
+              <a:t>Move on to other datasets</a:t>
+            </a:r>
+          </a:p>
+        </p:txBody>
+      </p:sp>
     </p:spTree>
     <p:extLst>
       <p:ext uri="{BB962C8B-B14F-4D97-AF65-F5344CB8AC3E}">
-        <p14:creationId xmlns:p14="http://schemas.microsoft.com/office/powerpoint/2010/main" val="2276660336"/>
+        <p14:creationId xmlns:p14="http://schemas.microsoft.com/office/powerpoint/2010/main" val="2874482899"/>
       </p:ext>
     </p:extLst>
   </p:cSld>
@@ -6750,7 +6956,23 @@
           <a:p>
             <a:r>
               <a:rPr lang="en-US" dirty="0"/>
-              <a:t>Lost too many barcodes during stitching process to gain insights from UMAP overlay</a:t>
+              <a:t>Analyze IMGT/</a:t>
+            </a:r>
+            <a:r>
+              <a:rPr lang="en-US" dirty="0" err="1"/>
+              <a:t>HighV</a:t>
+            </a:r>
+            <a:r>
+              <a:rPr lang="en-US" dirty="0"/>
+              <a:t>-Quest output: Junction and V-REGION-</a:t>
+            </a:r>
+            <a:r>
+              <a:rPr lang="en-US" dirty="0" err="1"/>
+              <a:t>nt</a:t>
+            </a:r>
+            <a:r>
+              <a:rPr lang="en-US" dirty="0"/>
+              <a:t>-mutation-statistics files</a:t>
             </a:r>
           </a:p>
         </p:txBody>
@@ -6792,7 +7014,7 @@
           <p:cNvPr id="4" name="Picture 3">
             <a:extLst>
               <a:ext uri="{FF2B5EF4-FFF2-40B4-BE49-F238E27FC236}">
-                <a16:creationId xmlns:a16="http://schemas.microsoft.com/office/drawing/2014/main" id="{016B5498-0FAF-BDB8-E069-A6F7DBB0CE41}"/>
+                <a16:creationId xmlns:a16="http://schemas.microsoft.com/office/drawing/2014/main" id="{D81E9E82-779C-C4EB-4D03-B0081568AE1A}"/>
               </a:ext>
             </a:extLst>
           </p:cNvPr>
@@ -6809,59 +7031,48 @@
         </p:blipFill>
         <p:spPr>
           <a:xfrm>
-            <a:off x="2083676" y="2146626"/>
-            <a:ext cx="7772400" cy="4267423"/>
+            <a:off x="0" y="1919288"/>
+            <a:ext cx="5974887" cy="3932949"/>
           </a:xfrm>
           <a:prstGeom prst="rect">
             <a:avLst/>
           </a:prstGeom>
         </p:spPr>
       </p:pic>
-      <p:sp>
-        <p:nvSpPr>
-          <p:cNvPr id="6" name="TextBox 5">
-            <a:extLst>
-              <a:ext uri="{FF2B5EF4-FFF2-40B4-BE49-F238E27FC236}">
-                <a16:creationId xmlns:a16="http://schemas.microsoft.com/office/drawing/2014/main" id="{A364ADFE-922A-8CB5-7F0D-9A55361564F7}"/>
-              </a:ext>
-            </a:extLst>
-          </p:cNvPr>
-          <p:cNvSpPr txBox="1"/>
+      <p:pic>
+        <p:nvPicPr>
+          <p:cNvPr id="5" name="Picture 4">
+            <a:extLst>
+              <a:ext uri="{FF2B5EF4-FFF2-40B4-BE49-F238E27FC236}">
+                <a16:creationId xmlns:a16="http://schemas.microsoft.com/office/drawing/2014/main" id="{CD8F22B1-9DBD-0B0E-A6B6-C980067ADEE2}"/>
+              </a:ext>
+            </a:extLst>
+          </p:cNvPr>
+          <p:cNvPicPr>
+            <a:picLocks noChangeAspect="1"/>
+          </p:cNvPicPr>
           <p:nvPr/>
-        </p:nvSpPr>
-        <p:spPr>
-          <a:xfrm>
-            <a:off x="9393382" y="3847605"/>
-            <a:ext cx="1475212" cy="646331"/>
+        </p:nvPicPr>
+        <p:blipFill>
+          <a:blip r:embed="rId4"/>
+          <a:stretch>
+            <a:fillRect/>
+          </a:stretch>
+        </p:blipFill>
+        <p:spPr>
+          <a:xfrm>
+            <a:off x="6111240" y="2054430"/>
+            <a:ext cx="5962424" cy="3661137"/>
           </a:xfrm>
           <a:prstGeom prst="rect">
             <a:avLst/>
           </a:prstGeom>
-          <a:noFill/>
-        </p:spPr>
-        <p:txBody>
-          <a:bodyPr wrap="none" rtlCol="0">
-            <a:spAutoFit/>
-          </a:bodyPr>
-          <a:lstStyle/>
-          <a:p>
-            <a:r>
-              <a:rPr lang="en-US" dirty="0"/>
-              <a:t>Lost barcodes</a:t>
-            </a:r>
-          </a:p>
-          <a:p>
-            <a:r>
-              <a:rPr lang="en-US" dirty="0"/>
-              <a:t>in gray</a:t>
-            </a:r>
-          </a:p>
-        </p:txBody>
-      </p:sp>
+        </p:spPr>
+      </p:pic>
     </p:spTree>
     <p:extLst>
       <p:ext uri="{BB962C8B-B14F-4D97-AF65-F5344CB8AC3E}">
-        <p14:creationId xmlns:p14="http://schemas.microsoft.com/office/powerpoint/2010/main" val="324532944"/>
+        <p14:creationId xmlns:p14="http://schemas.microsoft.com/office/powerpoint/2010/main" val="2705437618"/>
       </p:ext>
     </p:extLst>
   </p:cSld>
@@ -6912,145 +7123,91 @@
         </p:spPr>
         <p:txBody>
           <a:bodyPr>
+            <a:normAutofit fontScale="90000"/>
+          </a:bodyPr>
+          <a:lstStyle/>
+          <a:p>
+            <a:r>
+              <a:rPr lang="en-US" dirty="0"/>
+              <a:t>With all patients included, B cell CDR3 AA length and (pre-treatment) expansion seems to relate to severe </a:t>
+            </a:r>
+            <a:r>
+              <a:rPr lang="en-US" dirty="0" err="1"/>
+              <a:t>irAE</a:t>
+            </a:r>
+            <a:r>
+              <a:rPr lang="en-US" dirty="0"/>
+              <a:t> development</a:t>
+            </a:r>
+          </a:p>
+        </p:txBody>
+      </p:sp>
+      <p:sp>
+        <p:nvSpPr>
+          <p:cNvPr id="3" name="Content Placeholder 2">
+            <a:extLst>
+              <a:ext uri="{FF2B5EF4-FFF2-40B4-BE49-F238E27FC236}">
+                <a16:creationId xmlns:a16="http://schemas.microsoft.com/office/drawing/2014/main" id="{B9501834-7B32-1ACA-4358-B630FB8EEC36}"/>
+              </a:ext>
+            </a:extLst>
+          </p:cNvPr>
+          <p:cNvSpPr>
+            <a:spLocks noGrp="1"/>
+          </p:cNvSpPr>
+          <p:nvPr>
+            <p:ph idx="1"/>
+          </p:nvPr>
+        </p:nvSpPr>
+        <p:spPr>
+          <a:xfrm>
+            <a:off x="838200" y="1919289"/>
+            <a:ext cx="10515600" cy="4623402"/>
+          </a:xfrm>
+        </p:spPr>
+        <p:txBody>
+          <a:bodyPr>
             <a:normAutofit/>
           </a:bodyPr>
           <a:lstStyle/>
           <a:p>
-            <a:r>
-              <a:rPr lang="en-US" dirty="0"/>
-              <a:t>Next steps</a:t>
-            </a:r>
-          </a:p>
-        </p:txBody>
-      </p:sp>
-      <p:sp>
-        <p:nvSpPr>
-          <p:cNvPr id="3" name="Content Placeholder 2">
-            <a:extLst>
-              <a:ext uri="{FF2B5EF4-FFF2-40B4-BE49-F238E27FC236}">
-                <a16:creationId xmlns:a16="http://schemas.microsoft.com/office/drawing/2014/main" id="{B9501834-7B32-1ACA-4358-B630FB8EEC36}"/>
-              </a:ext>
-            </a:extLst>
-          </p:cNvPr>
-          <p:cNvSpPr>
-            <a:spLocks noGrp="1"/>
-          </p:cNvSpPr>
-          <p:nvPr>
-            <p:ph idx="1"/>
-          </p:nvPr>
-        </p:nvSpPr>
-        <p:spPr>
-          <a:xfrm>
-            <a:off x="838200" y="1919289"/>
-            <a:ext cx="10515600" cy="4623402"/>
-          </a:xfrm>
-        </p:spPr>
-        <p:txBody>
-          <a:bodyPr>
-            <a:normAutofit fontScale="92500" lnSpcReduction="20000"/>
-          </a:bodyPr>
-          <a:lstStyle/>
-          <a:p>
-            <a:r>
-              <a:rPr lang="en-US" dirty="0"/>
-              <a:t>Try to recover more barcodes in </a:t>
-            </a:r>
-            <a:r>
-              <a:rPr lang="en-US" dirty="0" err="1"/>
-              <a:t>stitchr</a:t>
-            </a:r>
-            <a:r>
-              <a:rPr lang="en-US" dirty="0"/>
-              <a:t> analysis by resolving errors</a:t>
-            </a:r>
-          </a:p>
-          <a:p>
-            <a:pPr lvl="1"/>
-            <a:r>
-              <a:rPr lang="en-US" dirty="0"/>
-              <a:t>Unable to locate N terminus of CDR3 in V gene correctly. Please ensure sequence plausibility. Cannot stitch a sequence for TRA</a:t>
-            </a:r>
-          </a:p>
-          <a:p>
-            <a:pPr lvl="2"/>
-            <a:r>
-              <a:rPr lang="en-US" dirty="0"/>
-              <a:t>Problematic </a:t>
-            </a:r>
-            <a:r>
-              <a:rPr lang="en-US" i="1" dirty="0"/>
-              <a:t>TRAV </a:t>
-            </a:r>
-            <a:r>
-              <a:rPr lang="en-US" dirty="0"/>
-              <a:t>genes seem to not have allele specified, no help when adding on *01 or *% to specify 1 or all, respectively</a:t>
-            </a:r>
-          </a:p>
-          <a:p>
-            <a:pPr lvl="1"/>
-            <a:r>
-              <a:rPr lang="en-US" dirty="0"/>
-              <a:t>String index out of range. Cannot stitch a sequence for TRB</a:t>
-            </a:r>
-          </a:p>
-          <a:p>
-            <a:r>
-              <a:rPr lang="en-US" dirty="0"/>
-              <a:t>Analyze IMGT/</a:t>
-            </a:r>
-            <a:r>
-              <a:rPr lang="en-US" dirty="0" err="1"/>
-              <a:t>HighV</a:t>
-            </a:r>
-            <a:r>
-              <a:rPr lang="en-US" dirty="0"/>
-              <a:t>-Quest output</a:t>
-            </a:r>
-          </a:p>
-          <a:p>
-            <a:r>
-              <a:rPr lang="en-US" dirty="0"/>
-              <a:t>Move on to other datasets</a:t>
-            </a:r>
-          </a:p>
-          <a:p>
-            <a:r>
-              <a:rPr lang="en-US" dirty="0"/>
-              <a:t>Input stitched TCR seqs into algorithms to predict/cluster by epitope specificity?</a:t>
-            </a:r>
-          </a:p>
-          <a:p>
-            <a:pPr lvl="1"/>
-            <a:r>
-              <a:rPr lang="en-US" dirty="0"/>
-              <a:t>GLIPH: group TCRs of common specificities, define TCR clusters often contacting antigenic peptides</a:t>
-            </a:r>
-          </a:p>
-          <a:p>
-            <a:pPr lvl="1"/>
-            <a:r>
-              <a:rPr lang="en-US" dirty="0" err="1"/>
-              <a:t>TCRdist</a:t>
-            </a:r>
-            <a:r>
-              <a:rPr lang="en-US" dirty="0"/>
-              <a:t>: distance measure of TCR space</a:t>
-            </a:r>
-          </a:p>
-          <a:p>
-            <a:pPr lvl="1"/>
-            <a:r>
-              <a:rPr lang="en-US" dirty="0" err="1"/>
-              <a:t>VDJdb</a:t>
-            </a:r>
             <a:endParaRPr lang="en-US" dirty="0"/>
           </a:p>
         </p:txBody>
       </p:sp>
+      <p:pic>
+        <p:nvPicPr>
+          <p:cNvPr id="6" name="Picture 5">
+            <a:extLst>
+              <a:ext uri="{FF2B5EF4-FFF2-40B4-BE49-F238E27FC236}">
+                <a16:creationId xmlns:a16="http://schemas.microsoft.com/office/drawing/2014/main" id="{C6030BB0-D78B-AC3B-DA0C-1C6B40B2BB47}"/>
+              </a:ext>
+            </a:extLst>
+          </p:cNvPr>
+          <p:cNvPicPr>
+            <a:picLocks noChangeAspect="1"/>
+          </p:cNvPicPr>
+          <p:nvPr/>
+        </p:nvPicPr>
+        <p:blipFill>
+          <a:blip r:embed="rId3"/>
+          <a:stretch>
+            <a:fillRect/>
+          </a:stretch>
+        </p:blipFill>
+        <p:spPr>
+          <a:xfrm>
+            <a:off x="2286000" y="1823204"/>
+            <a:ext cx="7696200" cy="4863727"/>
+          </a:xfrm>
+          <a:prstGeom prst="rect">
+            <a:avLst/>
+          </a:prstGeom>
+        </p:spPr>
+      </p:pic>
     </p:spTree>
     <p:extLst>
       <p:ext uri="{BB962C8B-B14F-4D97-AF65-F5344CB8AC3E}">
-        <p14:creationId xmlns:p14="http://schemas.microsoft.com/office/powerpoint/2010/main" val="2874482899"/>
+        <p14:creationId xmlns:p14="http://schemas.microsoft.com/office/powerpoint/2010/main" val="393550283"/>
       </p:ext>
     </p:extLst>
   </p:cSld>
@@ -7140,12 +7297,6 @@
           </a:bodyPr>
           <a:lstStyle/>
           <a:p>
-            <a:r>
-              <a:rPr lang="en-US" dirty="0"/>
-              <a:t>Clarify relationship between germline-ness and cross-reactivity</a:t>
-            </a:r>
-          </a:p>
-          <a:p>
             <a:endParaRPr lang="en-US" dirty="0"/>
           </a:p>
           <a:p>
@@ -7185,6 +7336,306 @@
     <p:extLst>
       <p:ext uri="{BB962C8B-B14F-4D97-AF65-F5344CB8AC3E}">
         <p14:creationId xmlns:p14="http://schemas.microsoft.com/office/powerpoint/2010/main" val="2996110147"/>
+      </p:ext>
+    </p:extLst>
+  </p:cSld>
+  <p:clrMapOvr>
+    <a:masterClrMapping/>
+  </p:clrMapOvr>
+</p:sld>
+</file>
+
+<file path=ppt/slides/slide20.xml><?xml version="1.0" encoding="utf-8"?>
+<p:sld xmlns:a="http://schemas.openxmlformats.org/drawingml/2006/main" xmlns:r="http://schemas.openxmlformats.org/officeDocument/2006/relationships" xmlns:p="http://schemas.openxmlformats.org/presentationml/2006/main">
+  <p:cSld>
+    <p:spTree>
+      <p:nvGrpSpPr>
+        <p:cNvPr id="1" name=""/>
+        <p:cNvGrpSpPr/>
+        <p:nvPr/>
+      </p:nvGrpSpPr>
+      <p:grpSpPr>
+        <a:xfrm>
+          <a:off x="0" y="0"/>
+          <a:ext cx="0" cy="0"/>
+          <a:chOff x="0" y="0"/>
+          <a:chExt cx="0" cy="0"/>
+        </a:xfrm>
+      </p:grpSpPr>
+      <p:sp>
+        <p:nvSpPr>
+          <p:cNvPr id="2" name="Title 1">
+            <a:extLst>
+              <a:ext uri="{FF2B5EF4-FFF2-40B4-BE49-F238E27FC236}">
+                <a16:creationId xmlns:a16="http://schemas.microsoft.com/office/drawing/2014/main" id="{70A4C97D-8F21-3D3B-6A90-EA7145324964}"/>
+              </a:ext>
+            </a:extLst>
+          </p:cNvPr>
+          <p:cNvSpPr>
+            <a:spLocks noGrp="1"/>
+          </p:cNvSpPr>
+          <p:nvPr>
+            <p:ph type="title"/>
+          </p:nvPr>
+        </p:nvSpPr>
+        <p:spPr>
+          <a:xfrm>
+            <a:off x="838200" y="593725"/>
+            <a:ext cx="10515600" cy="1325563"/>
+          </a:xfrm>
+        </p:spPr>
+        <p:txBody>
+          <a:bodyPr>
+            <a:normAutofit fontScale="90000"/>
+          </a:bodyPr>
+          <a:lstStyle/>
+          <a:p>
+            <a:r>
+              <a:rPr lang="en-US" dirty="0"/>
+              <a:t>B cell CDR3 AA length and (pre-treatment) expansion differences by severe </a:t>
+            </a:r>
+            <a:r>
+              <a:rPr lang="en-US" dirty="0" err="1"/>
+              <a:t>irAE</a:t>
+            </a:r>
+            <a:r>
+              <a:rPr lang="en-US" dirty="0"/>
+              <a:t> development are driven by 1 patient (YUROD)</a:t>
+            </a:r>
+          </a:p>
+        </p:txBody>
+      </p:sp>
+      <p:sp>
+        <p:nvSpPr>
+          <p:cNvPr id="3" name="Content Placeholder 2">
+            <a:extLst>
+              <a:ext uri="{FF2B5EF4-FFF2-40B4-BE49-F238E27FC236}">
+                <a16:creationId xmlns:a16="http://schemas.microsoft.com/office/drawing/2014/main" id="{B9501834-7B32-1ACA-4358-B630FB8EEC36}"/>
+              </a:ext>
+            </a:extLst>
+          </p:cNvPr>
+          <p:cNvSpPr>
+            <a:spLocks noGrp="1"/>
+          </p:cNvSpPr>
+          <p:nvPr>
+            <p:ph idx="1"/>
+          </p:nvPr>
+        </p:nvSpPr>
+        <p:spPr>
+          <a:xfrm>
+            <a:off x="838200" y="1919289"/>
+            <a:ext cx="10515600" cy="4623402"/>
+          </a:xfrm>
+        </p:spPr>
+        <p:txBody>
+          <a:bodyPr>
+            <a:normAutofit/>
+          </a:bodyPr>
+          <a:lstStyle/>
+          <a:p>
+            <a:endParaRPr lang="en-US" dirty="0"/>
+          </a:p>
+        </p:txBody>
+      </p:sp>
+      <p:pic>
+        <p:nvPicPr>
+          <p:cNvPr id="5" name="Picture 4">
+            <a:extLst>
+              <a:ext uri="{FF2B5EF4-FFF2-40B4-BE49-F238E27FC236}">
+                <a16:creationId xmlns:a16="http://schemas.microsoft.com/office/drawing/2014/main" id="{5E8DA4BB-9FD0-E71F-A6DB-80FCE01F2ABC}"/>
+              </a:ext>
+            </a:extLst>
+          </p:cNvPr>
+          <p:cNvPicPr>
+            <a:picLocks noChangeAspect="1"/>
+          </p:cNvPicPr>
+          <p:nvPr/>
+        </p:nvPicPr>
+        <p:blipFill>
+          <a:blip r:embed="rId3"/>
+          <a:stretch>
+            <a:fillRect/>
+          </a:stretch>
+        </p:blipFill>
+        <p:spPr>
+          <a:xfrm>
+            <a:off x="141889" y="2341762"/>
+            <a:ext cx="6025055" cy="3272000"/>
+          </a:xfrm>
+          <a:prstGeom prst="rect">
+            <a:avLst/>
+          </a:prstGeom>
+        </p:spPr>
+      </p:pic>
+      <p:pic>
+        <p:nvPicPr>
+          <p:cNvPr id="4" name="Picture 3">
+            <a:extLst>
+              <a:ext uri="{FF2B5EF4-FFF2-40B4-BE49-F238E27FC236}">
+                <a16:creationId xmlns:a16="http://schemas.microsoft.com/office/drawing/2014/main" id="{1CDD938C-60CC-9E9C-1A2F-A97687656DE1}"/>
+              </a:ext>
+            </a:extLst>
+          </p:cNvPr>
+          <p:cNvPicPr>
+            <a:picLocks noChangeAspect="1"/>
+          </p:cNvPicPr>
+          <p:nvPr/>
+        </p:nvPicPr>
+        <p:blipFill>
+          <a:blip r:embed="rId4"/>
+          <a:stretch>
+            <a:fillRect/>
+          </a:stretch>
+        </p:blipFill>
+        <p:spPr>
+          <a:xfrm>
+            <a:off x="6310121" y="1919289"/>
+            <a:ext cx="5881878" cy="3694474"/>
+          </a:xfrm>
+          <a:prstGeom prst="rect">
+            <a:avLst/>
+          </a:prstGeom>
+        </p:spPr>
+      </p:pic>
+    </p:spTree>
+    <p:extLst>
+      <p:ext uri="{BB962C8B-B14F-4D97-AF65-F5344CB8AC3E}">
+        <p14:creationId xmlns:p14="http://schemas.microsoft.com/office/powerpoint/2010/main" val="3833406033"/>
+      </p:ext>
+    </p:extLst>
+  </p:cSld>
+  <p:clrMapOvr>
+    <a:masterClrMapping/>
+  </p:clrMapOvr>
+</p:sld>
+</file>
+
+<file path=ppt/slides/slide21.xml><?xml version="1.0" encoding="utf-8"?>
+<p:sld xmlns:a="http://schemas.openxmlformats.org/drawingml/2006/main" xmlns:r="http://schemas.openxmlformats.org/officeDocument/2006/relationships" xmlns:p="http://schemas.openxmlformats.org/presentationml/2006/main">
+  <p:cSld>
+    <p:spTree>
+      <p:nvGrpSpPr>
+        <p:cNvPr id="1" name=""/>
+        <p:cNvGrpSpPr/>
+        <p:nvPr/>
+      </p:nvGrpSpPr>
+      <p:grpSpPr>
+        <a:xfrm>
+          <a:off x="0" y="0"/>
+          <a:ext cx="0" cy="0"/>
+          <a:chOff x="0" y="0"/>
+          <a:chExt cx="0" cy="0"/>
+        </a:xfrm>
+      </p:grpSpPr>
+      <p:sp>
+        <p:nvSpPr>
+          <p:cNvPr id="2" name="Title 1">
+            <a:extLst>
+              <a:ext uri="{FF2B5EF4-FFF2-40B4-BE49-F238E27FC236}">
+                <a16:creationId xmlns:a16="http://schemas.microsoft.com/office/drawing/2014/main" id="{70A4C97D-8F21-3D3B-6A90-EA7145324964}"/>
+              </a:ext>
+            </a:extLst>
+          </p:cNvPr>
+          <p:cNvSpPr>
+            <a:spLocks noGrp="1"/>
+          </p:cNvSpPr>
+          <p:nvPr>
+            <p:ph type="title"/>
+          </p:nvPr>
+        </p:nvSpPr>
+        <p:spPr>
+          <a:xfrm>
+            <a:off x="838200" y="593725"/>
+            <a:ext cx="10515600" cy="1325563"/>
+          </a:xfrm>
+        </p:spPr>
+        <p:txBody>
+          <a:bodyPr>
+            <a:normAutofit fontScale="90000"/>
+          </a:bodyPr>
+          <a:lstStyle/>
+          <a:p>
+            <a:r>
+              <a:rPr lang="en-US" dirty="0"/>
+              <a:t>No longer observe B cell CDR3 AA length and (pre-treatment) expansion differences by severe </a:t>
+            </a:r>
+            <a:r>
+              <a:rPr lang="en-US" dirty="0" err="1"/>
+              <a:t>irAE</a:t>
+            </a:r>
+            <a:r>
+              <a:rPr lang="en-US" dirty="0"/>
+              <a:t> development when removing YUROD patient sample</a:t>
+            </a:r>
+          </a:p>
+        </p:txBody>
+      </p:sp>
+      <p:sp>
+        <p:nvSpPr>
+          <p:cNvPr id="3" name="Content Placeholder 2">
+            <a:extLst>
+              <a:ext uri="{FF2B5EF4-FFF2-40B4-BE49-F238E27FC236}">
+                <a16:creationId xmlns:a16="http://schemas.microsoft.com/office/drawing/2014/main" id="{B9501834-7B32-1ACA-4358-B630FB8EEC36}"/>
+              </a:ext>
+            </a:extLst>
+          </p:cNvPr>
+          <p:cNvSpPr>
+            <a:spLocks noGrp="1"/>
+          </p:cNvSpPr>
+          <p:nvPr>
+            <p:ph idx="1"/>
+          </p:nvPr>
+        </p:nvSpPr>
+        <p:spPr>
+          <a:xfrm>
+            <a:off x="838200" y="1919289"/>
+            <a:ext cx="10515600" cy="4623402"/>
+          </a:xfrm>
+        </p:spPr>
+        <p:txBody>
+          <a:bodyPr>
+            <a:normAutofit/>
+          </a:bodyPr>
+          <a:lstStyle/>
+          <a:p>
+            <a:endParaRPr lang="en-US" dirty="0"/>
+          </a:p>
+        </p:txBody>
+      </p:sp>
+      <p:pic>
+        <p:nvPicPr>
+          <p:cNvPr id="7" name="Picture 6">
+            <a:extLst>
+              <a:ext uri="{FF2B5EF4-FFF2-40B4-BE49-F238E27FC236}">
+                <a16:creationId xmlns:a16="http://schemas.microsoft.com/office/drawing/2014/main" id="{4E406B92-C62D-70DA-230F-FB1D28257DD7}"/>
+              </a:ext>
+            </a:extLst>
+          </p:cNvPr>
+          <p:cNvPicPr>
+            <a:picLocks noChangeAspect="1"/>
+          </p:cNvPicPr>
+          <p:nvPr/>
+        </p:nvPicPr>
+        <p:blipFill>
+          <a:blip r:embed="rId3"/>
+          <a:stretch>
+            <a:fillRect/>
+          </a:stretch>
+        </p:blipFill>
+        <p:spPr>
+          <a:xfrm>
+            <a:off x="2303079" y="1919288"/>
+            <a:ext cx="7585841" cy="4792821"/>
+          </a:xfrm>
+          <a:prstGeom prst="rect">
+            <a:avLst/>
+          </a:prstGeom>
+        </p:spPr>
+      </p:pic>
+    </p:spTree>
+    <p:extLst>
+      <p:ext uri="{BB962C8B-B14F-4D97-AF65-F5344CB8AC3E}">
+        <p14:creationId xmlns:p14="http://schemas.microsoft.com/office/powerpoint/2010/main" val="3542062043"/>
       </p:ext>
     </p:extLst>
   </p:cSld>
@@ -7241,7 +7692,7 @@
           <a:p>
             <a:r>
               <a:rPr lang="en-US" dirty="0"/>
-              <a:t>Relationship between germline-ness and cross-reactivity</a:t>
+              <a:t>Re-performed dimensional reduction, clustering after removing monocytes, DCs</a:t>
             </a:r>
           </a:p>
         </p:txBody>
@@ -7274,17 +7725,44 @@
           </a:bodyPr>
           <a:lstStyle/>
           <a:p>
-            <a:r>
-              <a:rPr lang="en-US" dirty="0"/>
-              <a:t>Hypothesis: more germline-like TCRs are more cross-reactive due to lower sequence complexity</a:t>
-            </a:r>
-          </a:p>
-        </p:txBody>
-      </p:sp>
+            <a:endParaRPr lang="en-US" dirty="0"/>
+          </a:p>
+        </p:txBody>
+      </p:sp>
+      <p:pic>
+        <p:nvPicPr>
+          <p:cNvPr id="5" name="Picture 4">
+            <a:extLst>
+              <a:ext uri="{FF2B5EF4-FFF2-40B4-BE49-F238E27FC236}">
+                <a16:creationId xmlns:a16="http://schemas.microsoft.com/office/drawing/2014/main" id="{F073AD5D-37CD-82E3-7D34-612CB7FF0EDF}"/>
+              </a:ext>
+            </a:extLst>
+          </p:cNvPr>
+          <p:cNvPicPr>
+            <a:picLocks noChangeAspect="1"/>
+          </p:cNvPicPr>
+          <p:nvPr/>
+        </p:nvPicPr>
+        <p:blipFill>
+          <a:blip r:embed="rId3"/>
+          <a:stretch>
+            <a:fillRect/>
+          </a:stretch>
+        </p:blipFill>
+        <p:spPr>
+          <a:xfrm>
+            <a:off x="3199344" y="2635826"/>
+            <a:ext cx="5171136" cy="3190328"/>
+          </a:xfrm>
+          <a:prstGeom prst="rect">
+            <a:avLst/>
+          </a:prstGeom>
+        </p:spPr>
+      </p:pic>
     </p:spTree>
     <p:extLst>
       <p:ext uri="{BB962C8B-B14F-4D97-AF65-F5344CB8AC3E}">
-        <p14:creationId xmlns:p14="http://schemas.microsoft.com/office/powerpoint/2010/main" val="274742666"/>
+        <p14:creationId xmlns:p14="http://schemas.microsoft.com/office/powerpoint/2010/main" val="697821197"/>
       </p:ext>
     </p:extLst>
   </p:cSld>
@@ -7341,7 +7819,7 @@
           <a:p>
             <a:r>
               <a:rPr lang="en-US" dirty="0"/>
-              <a:t>Re-performed dimensional reduction, clustering after removing monocytes, DCs</a:t>
+              <a:t>Overlayed CDR3 hydrophobicity onto UMAP</a:t>
             </a:r>
           </a:p>
         </p:txBody>
@@ -7400,8 +7878,38 @@
         </p:blipFill>
         <p:spPr>
           <a:xfrm>
-            <a:off x="3199344" y="2635826"/>
+            <a:off x="393082" y="2438469"/>
             <a:ext cx="5171136" cy="3190328"/>
+          </a:xfrm>
+          <a:prstGeom prst="rect">
+            <a:avLst/>
+          </a:prstGeom>
+        </p:spPr>
+      </p:pic>
+      <p:pic>
+        <p:nvPicPr>
+          <p:cNvPr id="4" name="Picture 3">
+            <a:extLst>
+              <a:ext uri="{FF2B5EF4-FFF2-40B4-BE49-F238E27FC236}">
+                <a16:creationId xmlns:a16="http://schemas.microsoft.com/office/drawing/2014/main" id="{75C42D74-64B4-3BD7-6321-E3503DA3526B}"/>
+              </a:ext>
+            </a:extLst>
+          </p:cNvPr>
+          <p:cNvPicPr>
+            <a:picLocks noChangeAspect="1"/>
+          </p:cNvPicPr>
+          <p:nvPr/>
+        </p:nvPicPr>
+        <p:blipFill>
+          <a:blip r:embed="rId4"/>
+          <a:stretch>
+            <a:fillRect/>
+          </a:stretch>
+        </p:blipFill>
+        <p:spPr>
+          <a:xfrm>
+            <a:off x="5848245" y="2428649"/>
+            <a:ext cx="5834050" cy="3195238"/>
           </a:xfrm>
           <a:prstGeom prst="rect">
             <a:avLst/>
@@ -7411,7 +7919,7 @@
     </p:spTree>
     <p:extLst>
       <p:ext uri="{BB962C8B-B14F-4D97-AF65-F5344CB8AC3E}">
-        <p14:creationId xmlns:p14="http://schemas.microsoft.com/office/powerpoint/2010/main" val="697821197"/>
+        <p14:creationId xmlns:p14="http://schemas.microsoft.com/office/powerpoint/2010/main" val="11883871"/>
       </p:ext>
     </p:extLst>
   </p:cSld>
@@ -7468,7 +7976,7 @@
           <a:p>
             <a:r>
               <a:rPr lang="en-US" dirty="0"/>
-              <a:t>Overlayed CDR3 hydrophobicity onto UMAP</a:t>
+              <a:t>Overlayed CDR3 AA length onto UMAP</a:t>
             </a:r>
           </a:p>
         </p:txBody>
@@ -7537,10 +8045,10 @@
       </p:pic>
       <p:pic>
         <p:nvPicPr>
-          <p:cNvPr id="4" name="Picture 3">
-            <a:extLst>
-              <a:ext uri="{FF2B5EF4-FFF2-40B4-BE49-F238E27FC236}">
-                <a16:creationId xmlns:a16="http://schemas.microsoft.com/office/drawing/2014/main" id="{75C42D74-64B4-3BD7-6321-E3503DA3526B}"/>
+          <p:cNvPr id="6" name="Picture 5">
+            <a:extLst>
+              <a:ext uri="{FF2B5EF4-FFF2-40B4-BE49-F238E27FC236}">
+                <a16:creationId xmlns:a16="http://schemas.microsoft.com/office/drawing/2014/main" id="{D7D48485-AA47-95D7-2C22-663F4095967D}"/>
               </a:ext>
             </a:extLst>
           </p:cNvPr>
@@ -7557,8 +8065,8 @@
         </p:blipFill>
         <p:spPr>
           <a:xfrm>
-            <a:off x="5848245" y="2428649"/>
-            <a:ext cx="5834050" cy="3195238"/>
+            <a:off x="5564218" y="2438468"/>
+            <a:ext cx="6025055" cy="3187166"/>
           </a:xfrm>
           <a:prstGeom prst="rect">
             <a:avLst/>
@@ -7568,7 +8076,7 @@
     </p:spTree>
     <p:extLst>
       <p:ext uri="{BB962C8B-B14F-4D97-AF65-F5344CB8AC3E}">
-        <p14:creationId xmlns:p14="http://schemas.microsoft.com/office/powerpoint/2010/main" val="11883871"/>
+        <p14:creationId xmlns:p14="http://schemas.microsoft.com/office/powerpoint/2010/main" val="3504320515"/>
       </p:ext>
     </p:extLst>
   </p:cSld>
@@ -7625,15 +8133,7 @@
           <a:p>
             <a:r>
               <a:rPr lang="en-US" dirty="0"/>
-              <a:t>See no differences in CDR3 hydrophobicity among cell types by severe </a:t>
-            </a:r>
-            <a:r>
-              <a:rPr lang="en-US" dirty="0" err="1"/>
-              <a:t>irAE</a:t>
-            </a:r>
-            <a:r>
-              <a:rPr lang="en-US" dirty="0"/>
-              <a:t> development</a:t>
+              <a:t>Overlayed (pre-treatment) expansion onto UMAP</a:t>
             </a:r>
           </a:p>
         </p:txBody>
@@ -7672,10 +8172,10 @@
       </p:sp>
       <p:pic>
         <p:nvPicPr>
-          <p:cNvPr id="7" name="Picture 6">
-            <a:extLst>
-              <a:ext uri="{FF2B5EF4-FFF2-40B4-BE49-F238E27FC236}">
-                <a16:creationId xmlns:a16="http://schemas.microsoft.com/office/drawing/2014/main" id="{61C94BD9-4852-AD1C-D67F-4DBE62BD7E9F}"/>
+          <p:cNvPr id="5" name="Picture 4">
+            <a:extLst>
+              <a:ext uri="{FF2B5EF4-FFF2-40B4-BE49-F238E27FC236}">
+                <a16:creationId xmlns:a16="http://schemas.microsoft.com/office/drawing/2014/main" id="{F073AD5D-37CD-82E3-7D34-612CB7FF0EDF}"/>
               </a:ext>
             </a:extLst>
           </p:cNvPr>
@@ -7692,8 +8192,38 @@
         </p:blipFill>
         <p:spPr>
           <a:xfrm>
-            <a:off x="2209800" y="1919288"/>
-            <a:ext cx="7772400" cy="4899244"/>
+            <a:off x="393082" y="2438469"/>
+            <a:ext cx="5171136" cy="3190328"/>
+          </a:xfrm>
+          <a:prstGeom prst="rect">
+            <a:avLst/>
+          </a:prstGeom>
+        </p:spPr>
+      </p:pic>
+      <p:pic>
+        <p:nvPicPr>
+          <p:cNvPr id="4" name="Picture 3">
+            <a:extLst>
+              <a:ext uri="{FF2B5EF4-FFF2-40B4-BE49-F238E27FC236}">
+                <a16:creationId xmlns:a16="http://schemas.microsoft.com/office/drawing/2014/main" id="{4A047B2A-ECFF-0D0C-3CA6-8662A51E87F9}"/>
+              </a:ext>
+            </a:extLst>
+          </p:cNvPr>
+          <p:cNvPicPr>
+            <a:picLocks noChangeAspect="1"/>
+          </p:cNvPicPr>
+          <p:nvPr/>
+        </p:nvPicPr>
+        <p:blipFill>
+          <a:blip r:embed="rId4"/>
+          <a:stretch>
+            <a:fillRect/>
+          </a:stretch>
+        </p:blipFill>
+        <p:spPr>
+          <a:xfrm>
+            <a:off x="5611209" y="2438470"/>
+            <a:ext cx="5742591" cy="3190328"/>
           </a:xfrm>
           <a:prstGeom prst="rect">
             <a:avLst/>
@@ -7703,7 +8233,7 @@
     </p:spTree>
     <p:extLst>
       <p:ext uri="{BB962C8B-B14F-4D97-AF65-F5344CB8AC3E}">
-        <p14:creationId xmlns:p14="http://schemas.microsoft.com/office/powerpoint/2010/main" val="177588780"/>
+        <p14:creationId xmlns:p14="http://schemas.microsoft.com/office/powerpoint/2010/main" val="2913443610"/>
       </p:ext>
     </p:extLst>
   </p:cSld>
@@ -7760,7 +8290,7 @@
           <a:p>
             <a:r>
               <a:rPr lang="en-US" dirty="0"/>
-              <a:t>Overlayed CDR3 AA length onto UMAP</a:t>
+              <a:t>Overlayed patient ID onto UMAP, YUROD patient dominates specific B cell subclusters</a:t>
             </a:r>
           </a:p>
         </p:txBody>
@@ -7802,7 +8332,7 @@
           <p:cNvPr id="5" name="Picture 4">
             <a:extLst>
               <a:ext uri="{FF2B5EF4-FFF2-40B4-BE49-F238E27FC236}">
-                <a16:creationId xmlns:a16="http://schemas.microsoft.com/office/drawing/2014/main" id="{F073AD5D-37CD-82E3-7D34-612CB7FF0EDF}"/>
+                <a16:creationId xmlns:a16="http://schemas.microsoft.com/office/drawing/2014/main" id="{5E8DA4BB-9FD0-E71F-A6DB-80FCE01F2ABC}"/>
               </a:ext>
             </a:extLst>
           </p:cNvPr>
@@ -7819,8 +8349,8 @@
         </p:blipFill>
         <p:spPr>
           <a:xfrm>
-            <a:off x="393082" y="2438469"/>
-            <a:ext cx="5171136" cy="3190328"/>
+            <a:off x="5948923" y="2318011"/>
+            <a:ext cx="6025055" cy="3272000"/>
           </a:xfrm>
           <a:prstGeom prst="rect">
             <a:avLst/>
@@ -7832,7 +8362,7 @@
           <p:cNvPr id="6" name="Picture 5">
             <a:extLst>
               <a:ext uri="{FF2B5EF4-FFF2-40B4-BE49-F238E27FC236}">
-                <a16:creationId xmlns:a16="http://schemas.microsoft.com/office/drawing/2014/main" id="{D7D48485-AA47-95D7-2C22-663F4095967D}"/>
+                <a16:creationId xmlns:a16="http://schemas.microsoft.com/office/drawing/2014/main" id="{BD8B3A01-68B7-4D42-7F9C-C59402033154}"/>
               </a:ext>
             </a:extLst>
           </p:cNvPr>
@@ -7849,8 +8379,8 @@
         </p:blipFill>
         <p:spPr>
           <a:xfrm>
-            <a:off x="5564218" y="2438468"/>
-            <a:ext cx="6025055" cy="3187166"/>
+            <a:off x="468019" y="2399683"/>
+            <a:ext cx="5171136" cy="3190328"/>
           </a:xfrm>
           <a:prstGeom prst="rect">
             <a:avLst/>
@@ -7860,7 +8390,7 @@
     </p:spTree>
     <p:extLst>
       <p:ext uri="{BB962C8B-B14F-4D97-AF65-F5344CB8AC3E}">
-        <p14:creationId xmlns:p14="http://schemas.microsoft.com/office/powerpoint/2010/main" val="4265244449"/>
+        <p14:creationId xmlns:p14="http://schemas.microsoft.com/office/powerpoint/2010/main" val="2829597440"/>
       </p:ext>
     </p:extLst>
   </p:cSld>
@@ -7911,13 +8441,21 @@
         </p:spPr>
         <p:txBody>
           <a:bodyPr>
-            <a:normAutofit/>
+            <a:normAutofit fontScale="90000"/>
           </a:bodyPr>
           <a:lstStyle/>
           <a:p>
             <a:r>
               <a:rPr lang="en-US" dirty="0"/>
-              <a:t>Overlayed (pre-treatment) expansion onto UMAP</a:t>
+              <a:t>See little to no differences in CDR3 AA length or hydrophobicity among cell types/chains by severe </a:t>
+            </a:r>
+            <a:r>
+              <a:rPr lang="en-US" dirty="0" err="1"/>
+              <a:t>irAE</a:t>
+            </a:r>
+            <a:r>
+              <a:rPr lang="en-US" dirty="0"/>
+              <a:t> development</a:t>
             </a:r>
           </a:p>
         </p:txBody>
@@ -7956,10 +8494,10 @@
       </p:sp>
       <p:pic>
         <p:nvPicPr>
-          <p:cNvPr id="5" name="Picture 4">
-            <a:extLst>
-              <a:ext uri="{FF2B5EF4-FFF2-40B4-BE49-F238E27FC236}">
-                <a16:creationId xmlns:a16="http://schemas.microsoft.com/office/drawing/2014/main" id="{F073AD5D-37CD-82E3-7D34-612CB7FF0EDF}"/>
+          <p:cNvPr id="4" name="Picture 3">
+            <a:extLst>
+              <a:ext uri="{FF2B5EF4-FFF2-40B4-BE49-F238E27FC236}">
+                <a16:creationId xmlns:a16="http://schemas.microsoft.com/office/drawing/2014/main" id="{84DCFD5C-3BB4-802C-786D-118764A7F1DD}"/>
               </a:ext>
             </a:extLst>
           </p:cNvPr>
@@ -7976,8 +8514,8 @@
         </p:blipFill>
         <p:spPr>
           <a:xfrm>
-            <a:off x="393082" y="2438469"/>
-            <a:ext cx="5171136" cy="3190328"/>
+            <a:off x="6202880" y="2028052"/>
+            <a:ext cx="5917870" cy="3751738"/>
           </a:xfrm>
           <a:prstGeom prst="rect">
             <a:avLst/>
@@ -7986,10 +8524,10 @@
       </p:pic>
       <p:pic>
         <p:nvPicPr>
-          <p:cNvPr id="4" name="Picture 3">
-            <a:extLst>
-              <a:ext uri="{FF2B5EF4-FFF2-40B4-BE49-F238E27FC236}">
-                <a16:creationId xmlns:a16="http://schemas.microsoft.com/office/drawing/2014/main" id="{4A047B2A-ECFF-0D0C-3CA6-8662A51E87F9}"/>
+          <p:cNvPr id="6" name="Picture 5">
+            <a:extLst>
+              <a:ext uri="{FF2B5EF4-FFF2-40B4-BE49-F238E27FC236}">
+                <a16:creationId xmlns:a16="http://schemas.microsoft.com/office/drawing/2014/main" id="{82892406-FD8C-E838-07F7-BE6C8AF70B84}"/>
               </a:ext>
             </a:extLst>
           </p:cNvPr>
@@ -8006,8 +8544,8 @@
         </p:blipFill>
         <p:spPr>
           <a:xfrm>
-            <a:off x="5611209" y="2438470"/>
-            <a:ext cx="5742591" cy="3190328"/>
+            <a:off x="106880" y="2071374"/>
+            <a:ext cx="5917870" cy="3708416"/>
           </a:xfrm>
           <a:prstGeom prst="rect">
             <a:avLst/>
@@ -8017,7 +8555,7 @@
     </p:spTree>
     <p:extLst>
       <p:ext uri="{BB962C8B-B14F-4D97-AF65-F5344CB8AC3E}">
-        <p14:creationId xmlns:p14="http://schemas.microsoft.com/office/powerpoint/2010/main" val="3713814933"/>
+        <p14:creationId xmlns:p14="http://schemas.microsoft.com/office/powerpoint/2010/main" val="177588780"/>
       </p:ext>
     </p:extLst>
   </p:cSld>
@@ -8068,13 +8606,13 @@
         </p:spPr>
         <p:txBody>
           <a:bodyPr>
-            <a:normAutofit fontScale="90000"/>
+            <a:normAutofit/>
           </a:bodyPr>
           <a:lstStyle/>
           <a:p>
             <a:r>
               <a:rPr lang="en-US" dirty="0"/>
-              <a:t>With all patients included, B cell CDR3 AA length and (pre-treatment) expansion seems to relate to severe </a:t>
+              <a:t>CD8 T cell TRB CDR3 (pre-treatment) expansion may  predict severe </a:t>
             </a:r>
             <a:r>
               <a:rPr lang="en-US" dirty="0" err="1"/>
@@ -8121,10 +8659,10 @@
       </p:sp>
       <p:pic>
         <p:nvPicPr>
-          <p:cNvPr id="6" name="Picture 5">
-            <a:extLst>
-              <a:ext uri="{FF2B5EF4-FFF2-40B4-BE49-F238E27FC236}">
-                <a16:creationId xmlns:a16="http://schemas.microsoft.com/office/drawing/2014/main" id="{C6030BB0-D78B-AC3B-DA0C-1C6B40B2BB47}"/>
+          <p:cNvPr id="8" name="Picture 7">
+            <a:extLst>
+              <a:ext uri="{FF2B5EF4-FFF2-40B4-BE49-F238E27FC236}">
+                <a16:creationId xmlns:a16="http://schemas.microsoft.com/office/drawing/2014/main" id="{A431F2FA-59F8-EF8C-49E4-8F96A26A9499}"/>
               </a:ext>
             </a:extLst>
           </p:cNvPr>
@@ -8141,18 +8679,94 @@
         </p:blipFill>
         <p:spPr>
           <a:xfrm>
-            <a:off x="2286000" y="1823204"/>
-            <a:ext cx="7696200" cy="4863727"/>
+            <a:off x="2646713" y="2052493"/>
+            <a:ext cx="6898574" cy="4356994"/>
           </a:xfrm>
           <a:prstGeom prst="rect">
             <a:avLst/>
           </a:prstGeom>
         </p:spPr>
       </p:pic>
+      <p:sp>
+        <p:nvSpPr>
+          <p:cNvPr id="5" name="TextBox 4">
+            <a:extLst>
+              <a:ext uri="{FF2B5EF4-FFF2-40B4-BE49-F238E27FC236}">
+                <a16:creationId xmlns:a16="http://schemas.microsoft.com/office/drawing/2014/main" id="{7D145FF5-F8DD-90D3-6B11-F7B8A4A4B36D}"/>
+              </a:ext>
+            </a:extLst>
+          </p:cNvPr>
+          <p:cNvSpPr txBox="1"/>
+          <p:nvPr/>
+        </p:nvSpPr>
+        <p:spPr>
+          <a:xfrm>
+            <a:off x="8385344" y="2567026"/>
+            <a:ext cx="2507418" cy="646331"/>
+          </a:xfrm>
+          <a:prstGeom prst="rect">
+            <a:avLst/>
+          </a:prstGeom>
+          <a:noFill/>
+        </p:spPr>
+        <p:txBody>
+          <a:bodyPr wrap="none" rtlCol="0">
+            <a:spAutoFit/>
+          </a:bodyPr>
+          <a:lstStyle/>
+          <a:p>
+            <a:r>
+              <a:rPr lang="en-US" dirty="0"/>
+              <a:t>P = 0.02</a:t>
+            </a:r>
+          </a:p>
+          <a:p>
+            <a:r>
+              <a:rPr lang="en-US" dirty="0"/>
+              <a:t>(Wilcoxon rank sum test)</a:t>
+            </a:r>
+          </a:p>
+        </p:txBody>
+      </p:sp>
+      <p:sp>
+        <p:nvSpPr>
+          <p:cNvPr id="7" name="TextBox 6">
+            <a:extLst>
+              <a:ext uri="{FF2B5EF4-FFF2-40B4-BE49-F238E27FC236}">
+                <a16:creationId xmlns:a16="http://schemas.microsoft.com/office/drawing/2014/main" id="{FE18EB75-3864-6E8A-72B5-D10E150F0597}"/>
+              </a:ext>
+            </a:extLst>
+          </p:cNvPr>
+          <p:cNvSpPr txBox="1"/>
+          <p:nvPr/>
+        </p:nvSpPr>
+        <p:spPr>
+          <a:xfrm>
+            <a:off x="7837715" y="2567026"/>
+            <a:ext cx="570015" cy="369332"/>
+          </a:xfrm>
+          <a:prstGeom prst="rect">
+            <a:avLst/>
+          </a:prstGeom>
+          <a:noFill/>
+        </p:spPr>
+        <p:txBody>
+          <a:bodyPr wrap="square" rtlCol="0">
+            <a:spAutoFit/>
+          </a:bodyPr>
+          <a:lstStyle/>
+          <a:p>
+            <a:r>
+              <a:rPr lang="en-US" dirty="0"/>
+              <a:t>*</a:t>
+            </a:r>
+          </a:p>
+        </p:txBody>
+      </p:sp>
     </p:spTree>
     <p:extLst>
       <p:ext uri="{BB962C8B-B14F-4D97-AF65-F5344CB8AC3E}">
-        <p14:creationId xmlns:p14="http://schemas.microsoft.com/office/powerpoint/2010/main" val="4131872962"/>
+        <p14:creationId xmlns:p14="http://schemas.microsoft.com/office/powerpoint/2010/main" val="590862783"/>
       </p:ext>
     </p:extLst>
   </p:cSld>
